--- a/Calendario2022/Presentaciones/IF_CapaFisica.pptx
+++ b/Calendario2022/Presentaciones/IF_CapaFisica.pptx
@@ -5,7 +5,7 @@
     <p:sldMasterId id="2147483648" r:id="rId1"/>
   </p:sldMasterIdLst>
   <p:notesMasterIdLst>
-    <p:notesMasterId r:id="rId18"/>
+    <p:notesMasterId r:id="rId19"/>
   </p:notesMasterIdLst>
   <p:sldIdLst>
     <p:sldId id="257" r:id="rId2"/>
@@ -24,6 +24,7 @@
     <p:sldId id="815" r:id="rId15"/>
     <p:sldId id="819" r:id="rId16"/>
     <p:sldId id="820" r:id="rId17"/>
+    <p:sldId id="821" r:id="rId18"/>
   </p:sldIdLst>
   <p:sldSz cx="9144000" cy="6858000" type="screen4x3"/>
   <p:notesSz cx="7023100" cy="9309100"/>
@@ -223,7 +224,7 @@
           <a:p>
             <a:fld id="{2D445F07-8756-451B-A938-0248325FC7BB}" type="datetimeFigureOut">
               <a:rPr lang="es-MX" smtClean="0"/>
-              <a:t>27/03/2022</a:t>
+              <a:t>01/04/2022</a:t>
             </a:fld>
             <a:endParaRPr lang="es-MX" dirty="0"/>
           </a:p>
@@ -1077,6 +1078,257 @@
 </p:notes>
 </file>
 
+<file path=ppt/notesSlides/notesSlide12.xml><?xml version="1.0" encoding="utf-8"?>
+<p:notes xmlns:a="http://schemas.openxmlformats.org/drawingml/2006/main" xmlns:r="http://schemas.openxmlformats.org/officeDocument/2006/relationships" xmlns:p="http://schemas.openxmlformats.org/presentationml/2006/main">
+  <p:cSld>
+    <p:spTree>
+      <p:nvGrpSpPr>
+        <p:cNvPr id="1" name=""/>
+        <p:cNvGrpSpPr/>
+        <p:nvPr/>
+      </p:nvGrpSpPr>
+      <p:grpSpPr>
+        <a:xfrm>
+          <a:off x="0" y="0"/>
+          <a:ext cx="0" cy="0"/>
+          <a:chOff x="0" y="0"/>
+          <a:chExt cx="0" cy="0"/>
+        </a:xfrm>
+      </p:grpSpPr>
+      <p:sp>
+        <p:nvSpPr>
+          <p:cNvPr id="40962" name="1 Marcador de imagen de diapositiva"/>
+          <p:cNvSpPr>
+            <a:spLocks noGrp="1" noRot="1" noChangeAspect="1" noTextEdit="1"/>
+          </p:cNvSpPr>
+          <p:nvPr>
+            <p:ph type="sldImg"/>
+          </p:nvPr>
+        </p:nvSpPr>
+        <p:spPr bwMode="auto">
+          <a:noFill/>
+          <a:ln>
+            <a:solidFill>
+              <a:srgbClr val="000000"/>
+            </a:solidFill>
+            <a:miter lim="800000"/>
+            <a:headEnd/>
+            <a:tailEnd/>
+          </a:ln>
+          <a:extLst>
+            <a:ext uri="{909E8E84-426E-40DD-AFC4-6F175D3DCCD1}">
+              <a14:hiddenFill xmlns:a14="http://schemas.microsoft.com/office/drawing/2010/main">
+                <a:solidFill>
+                  <a:srgbClr val="FFFFFF"/>
+                </a:solidFill>
+              </a14:hiddenFill>
+            </a:ext>
+          </a:extLst>
+        </p:spPr>
+      </p:sp>
+      <p:sp>
+        <p:nvSpPr>
+          <p:cNvPr id="40963" name="2 Marcador de notas"/>
+          <p:cNvSpPr>
+            <a:spLocks noGrp="1"/>
+          </p:cNvSpPr>
+          <p:nvPr>
+            <p:ph type="body" idx="1"/>
+          </p:nvPr>
+        </p:nvSpPr>
+        <p:spPr bwMode="auto">
+          <a:noFill/>
+          <a:extLst>
+            <a:ext uri="{909E8E84-426E-40DD-AFC4-6F175D3DCCD1}">
+              <a14:hiddenFill xmlns:a14="http://schemas.microsoft.com/office/drawing/2010/main">
+                <a:solidFill>
+                  <a:srgbClr val="FFFFFF"/>
+                </a:solidFill>
+              </a14:hiddenFill>
+            </a:ext>
+            <a:ext uri="{91240B29-F687-4F45-9708-019B960494DF}">
+              <a14:hiddenLine xmlns:a14="http://schemas.microsoft.com/office/drawing/2010/main" w="9525">
+                <a:solidFill>
+                  <a:srgbClr val="000000"/>
+                </a:solidFill>
+                <a:miter lim="800000"/>
+                <a:headEnd/>
+                <a:tailEnd/>
+              </a14:hiddenLine>
+            </a:ext>
+          </a:extLst>
+        </p:spPr>
+        <p:txBody>
+          <a:bodyPr wrap="square" numCol="1" anchor="t" anchorCtr="0" compatLnSpc="1">
+            <a:prstTxWarp prst="textNoShape">
+              <a:avLst/>
+            </a:prstTxWarp>
+          </a:bodyPr>
+          <a:lstStyle/>
+          <a:p>
+            <a:endParaRPr lang="es-MX" dirty="0"/>
+          </a:p>
+        </p:txBody>
+      </p:sp>
+      <p:sp>
+        <p:nvSpPr>
+          <p:cNvPr id="40964" name="3 Marcador de número de diapositiva"/>
+          <p:cNvSpPr>
+            <a:spLocks noGrp="1"/>
+          </p:cNvSpPr>
+          <p:nvPr>
+            <p:ph type="sldNum" sz="quarter" idx="5"/>
+          </p:nvPr>
+        </p:nvSpPr>
+        <p:spPr bwMode="auto">
+          <a:noFill/>
+          <a:extLst>
+            <a:ext uri="{909E8E84-426E-40DD-AFC4-6F175D3DCCD1}">
+              <a14:hiddenFill xmlns:a14="http://schemas.microsoft.com/office/drawing/2010/main">
+                <a:solidFill>
+                  <a:srgbClr val="FFFFFF"/>
+                </a:solidFill>
+              </a14:hiddenFill>
+            </a:ext>
+            <a:ext uri="{91240B29-F687-4F45-9708-019B960494DF}">
+              <a14:hiddenLine xmlns:a14="http://schemas.microsoft.com/office/drawing/2010/main" w="9525">
+                <a:solidFill>
+                  <a:srgbClr val="000000"/>
+                </a:solidFill>
+                <a:miter lim="800000"/>
+                <a:headEnd/>
+                <a:tailEnd/>
+              </a14:hiddenLine>
+            </a:ext>
+          </a:extLst>
+        </p:spPr>
+        <p:txBody>
+          <a:bodyPr wrap="square" numCol="1" anchorCtr="0" compatLnSpc="1">
+            <a:prstTxWarp prst="textNoShape">
+              <a:avLst/>
+            </a:prstTxWarp>
+          </a:bodyPr>
+          <a:lstStyle>
+            <a:lvl1pPr eaLnBrk="0" hangingPunct="0">
+              <a:defRPr sz="2400">
+                <a:solidFill>
+                  <a:schemeClr val="tx1"/>
+                </a:solidFill>
+                <a:latin typeface="Times New Roman" pitchFamily="18" charset="0"/>
+              </a:defRPr>
+            </a:lvl1pPr>
+            <a:lvl2pPr marL="752472" indent="-289412" eaLnBrk="0" hangingPunct="0">
+              <a:defRPr sz="2400">
+                <a:solidFill>
+                  <a:schemeClr val="tx1"/>
+                </a:solidFill>
+                <a:latin typeface="Times New Roman" pitchFamily="18" charset="0"/>
+              </a:defRPr>
+            </a:lvl2pPr>
+            <a:lvl3pPr marL="1157650" indent="-231530" eaLnBrk="0" hangingPunct="0">
+              <a:defRPr sz="2400">
+                <a:solidFill>
+                  <a:schemeClr val="tx1"/>
+                </a:solidFill>
+                <a:latin typeface="Times New Roman" pitchFamily="18" charset="0"/>
+              </a:defRPr>
+            </a:lvl3pPr>
+            <a:lvl4pPr marL="1620709" indent="-231530" eaLnBrk="0" hangingPunct="0">
+              <a:defRPr sz="2400">
+                <a:solidFill>
+                  <a:schemeClr val="tx1"/>
+                </a:solidFill>
+                <a:latin typeface="Times New Roman" pitchFamily="18" charset="0"/>
+              </a:defRPr>
+            </a:lvl4pPr>
+            <a:lvl5pPr marL="2083770" indent="-231530" eaLnBrk="0" hangingPunct="0">
+              <a:defRPr sz="2400">
+                <a:solidFill>
+                  <a:schemeClr val="tx1"/>
+                </a:solidFill>
+                <a:latin typeface="Times New Roman" pitchFamily="18" charset="0"/>
+              </a:defRPr>
+            </a:lvl5pPr>
+            <a:lvl6pPr marL="2546830" indent="-231530" eaLnBrk="0" fontAlgn="base" hangingPunct="0">
+              <a:spcBef>
+                <a:spcPct val="0"/>
+              </a:spcBef>
+              <a:spcAft>
+                <a:spcPct val="0"/>
+              </a:spcAft>
+              <a:defRPr sz="2400">
+                <a:solidFill>
+                  <a:schemeClr val="tx1"/>
+                </a:solidFill>
+                <a:latin typeface="Times New Roman" pitchFamily="18" charset="0"/>
+              </a:defRPr>
+            </a:lvl6pPr>
+            <a:lvl7pPr marL="3009889" indent="-231530" eaLnBrk="0" fontAlgn="base" hangingPunct="0">
+              <a:spcBef>
+                <a:spcPct val="0"/>
+              </a:spcBef>
+              <a:spcAft>
+                <a:spcPct val="0"/>
+              </a:spcAft>
+              <a:defRPr sz="2400">
+                <a:solidFill>
+                  <a:schemeClr val="tx1"/>
+                </a:solidFill>
+                <a:latin typeface="Times New Roman" pitchFamily="18" charset="0"/>
+              </a:defRPr>
+            </a:lvl7pPr>
+            <a:lvl8pPr marL="3472950" indent="-231530" eaLnBrk="0" fontAlgn="base" hangingPunct="0">
+              <a:spcBef>
+                <a:spcPct val="0"/>
+              </a:spcBef>
+              <a:spcAft>
+                <a:spcPct val="0"/>
+              </a:spcAft>
+              <a:defRPr sz="2400">
+                <a:solidFill>
+                  <a:schemeClr val="tx1"/>
+                </a:solidFill>
+                <a:latin typeface="Times New Roman" pitchFamily="18" charset="0"/>
+              </a:defRPr>
+            </a:lvl8pPr>
+            <a:lvl9pPr marL="3936009" indent="-231530" eaLnBrk="0" fontAlgn="base" hangingPunct="0">
+              <a:spcBef>
+                <a:spcPct val="0"/>
+              </a:spcBef>
+              <a:spcAft>
+                <a:spcPct val="0"/>
+              </a:spcAft>
+              <a:defRPr sz="2400">
+                <a:solidFill>
+                  <a:schemeClr val="tx1"/>
+                </a:solidFill>
+                <a:latin typeface="Times New Roman" pitchFamily="18" charset="0"/>
+              </a:defRPr>
+            </a:lvl9pPr>
+          </a:lstStyle>
+          <a:p>
+            <a:fld id="{56F04661-FEDA-4297-9392-E99059580857}" type="slidenum">
+              <a:rPr lang="es-MX" sz="1200"/>
+              <a:pPr/>
+              <a:t>17</a:t>
+            </a:fld>
+            <a:endParaRPr lang="es-MX" sz="1200"/>
+          </a:p>
+        </p:txBody>
+      </p:sp>
+    </p:spTree>
+    <p:extLst>
+      <p:ext uri="{BB962C8B-B14F-4D97-AF65-F5344CB8AC3E}">
+        <p14:creationId xmlns:p14="http://schemas.microsoft.com/office/powerpoint/2010/main" val="2815532398"/>
+      </p:ext>
+    </p:extLst>
+  </p:cSld>
+  <p:clrMapOvr>
+    <a:masterClrMapping/>
+  </p:clrMapOvr>
+</p:notes>
+</file>
+
 <file path=ppt/notesSlides/notesSlide2.xml><?xml version="1.0" encoding="utf-8"?>
 <p:notes xmlns:a="http://schemas.openxmlformats.org/drawingml/2006/main" xmlns:r="http://schemas.openxmlformats.org/officeDocument/2006/relationships" xmlns:p="http://schemas.openxmlformats.org/presentationml/2006/main">
   <p:cSld>
@@ -2940,7 +3192,7 @@
           <a:p>
             <a:fld id="{5E75A0DC-66C6-4CEC-A5EB-F8C97CEC3796}" type="datetimeFigureOut">
               <a:rPr lang="es-MX" smtClean="0"/>
-              <a:t>27/03/2022</a:t>
+              <a:t>01/04/2022</a:t>
             </a:fld>
             <a:endParaRPr lang="es-MX" dirty="0"/>
           </a:p>
@@ -3110,7 +3362,7 @@
           <a:p>
             <a:fld id="{5E75A0DC-66C6-4CEC-A5EB-F8C97CEC3796}" type="datetimeFigureOut">
               <a:rPr lang="es-MX" smtClean="0"/>
-              <a:t>27/03/2022</a:t>
+              <a:t>01/04/2022</a:t>
             </a:fld>
             <a:endParaRPr lang="es-MX" dirty="0"/>
           </a:p>
@@ -3290,7 +3542,7 @@
           <a:p>
             <a:fld id="{5E75A0DC-66C6-4CEC-A5EB-F8C97CEC3796}" type="datetimeFigureOut">
               <a:rPr lang="es-MX" smtClean="0"/>
-              <a:t>27/03/2022</a:t>
+              <a:t>01/04/2022</a:t>
             </a:fld>
             <a:endParaRPr lang="es-MX" dirty="0"/>
           </a:p>
@@ -3765,7 +4017,7 @@
           <a:p>
             <a:fld id="{5E75A0DC-66C6-4CEC-A5EB-F8C97CEC3796}" type="datetimeFigureOut">
               <a:rPr lang="es-MX" smtClean="0"/>
-              <a:t>27/03/2022</a:t>
+              <a:t>01/04/2022</a:t>
             </a:fld>
             <a:endParaRPr lang="es-MX" dirty="0"/>
           </a:p>
@@ -4011,7 +4263,7 @@
           <a:p>
             <a:fld id="{5E75A0DC-66C6-4CEC-A5EB-F8C97CEC3796}" type="datetimeFigureOut">
               <a:rPr lang="es-MX" smtClean="0"/>
-              <a:t>27/03/2022</a:t>
+              <a:t>01/04/2022</a:t>
             </a:fld>
             <a:endParaRPr lang="es-MX" dirty="0"/>
           </a:p>
@@ -4299,7 +4551,7 @@
           <a:p>
             <a:fld id="{5E75A0DC-66C6-4CEC-A5EB-F8C97CEC3796}" type="datetimeFigureOut">
               <a:rPr lang="es-MX" smtClean="0"/>
-              <a:t>27/03/2022</a:t>
+              <a:t>01/04/2022</a:t>
             </a:fld>
             <a:endParaRPr lang="es-MX" dirty="0"/>
           </a:p>
@@ -4721,7 +4973,7 @@
           <a:p>
             <a:fld id="{5E75A0DC-66C6-4CEC-A5EB-F8C97CEC3796}" type="datetimeFigureOut">
               <a:rPr lang="es-MX" smtClean="0"/>
-              <a:t>27/03/2022</a:t>
+              <a:t>01/04/2022</a:t>
             </a:fld>
             <a:endParaRPr lang="es-MX" dirty="0"/>
           </a:p>
@@ -4839,7 +5091,7 @@
           <a:p>
             <a:fld id="{5E75A0DC-66C6-4CEC-A5EB-F8C97CEC3796}" type="datetimeFigureOut">
               <a:rPr lang="es-MX" smtClean="0"/>
-              <a:t>27/03/2022</a:t>
+              <a:t>01/04/2022</a:t>
             </a:fld>
             <a:endParaRPr lang="es-MX" dirty="0"/>
           </a:p>
@@ -4934,7 +5186,7 @@
           <a:p>
             <a:fld id="{5E75A0DC-66C6-4CEC-A5EB-F8C97CEC3796}" type="datetimeFigureOut">
               <a:rPr lang="es-MX" smtClean="0"/>
-              <a:t>27/03/2022</a:t>
+              <a:t>01/04/2022</a:t>
             </a:fld>
             <a:endParaRPr lang="es-MX" dirty="0"/>
           </a:p>
@@ -5211,7 +5463,7 @@
           <a:p>
             <a:fld id="{5E75A0DC-66C6-4CEC-A5EB-F8C97CEC3796}" type="datetimeFigureOut">
               <a:rPr lang="es-MX" smtClean="0"/>
-              <a:t>27/03/2022</a:t>
+              <a:t>01/04/2022</a:t>
             </a:fld>
             <a:endParaRPr lang="es-MX" dirty="0"/>
           </a:p>
@@ -5464,7 +5716,7 @@
           <a:p>
             <a:fld id="{5E75A0DC-66C6-4CEC-A5EB-F8C97CEC3796}" type="datetimeFigureOut">
               <a:rPr lang="es-MX" smtClean="0"/>
-              <a:t>27/03/2022</a:t>
+              <a:t>01/04/2022</a:t>
             </a:fld>
             <a:endParaRPr lang="es-MX" dirty="0"/>
           </a:p>
@@ -5677,7 +5929,7 @@
           <a:p>
             <a:fld id="{5E75A0DC-66C6-4CEC-A5EB-F8C97CEC3796}" type="datetimeFigureOut">
               <a:rPr lang="es-MX" smtClean="0"/>
-              <a:t>27/03/2022</a:t>
+              <a:t>01/04/2022</a:t>
             </a:fld>
             <a:endParaRPr lang="es-MX" dirty="0"/>
           </a:p>
@@ -6299,7 +6551,7 @@
           <a:graphicData uri="http://schemas.openxmlformats.org/presentationml/2006/ole">
             <mc:AlternateContent xmlns:mc="http://schemas.openxmlformats.org/markup-compatibility/2006">
               <mc:Choice xmlns:v="urn:schemas-microsoft-com:vml" Requires="v">
-                <p:oleObj spid="_x0000_s29794" name="Imagen" r:id="rId3" imgW="3676650" imgH="1965325" progId="MS_ClipArt_Gallery.2">
+                <p:oleObj spid="_x0000_s29806" name="Imagen" r:id="rId3" imgW="3676650" imgH="1965325" progId="MS_ClipArt_Gallery.2">
                   <p:embed/>
                 </p:oleObj>
               </mc:Choice>
@@ -6466,7 +6718,7 @@
           <a:graphicData uri="http://schemas.openxmlformats.org/presentationml/2006/ole">
             <mc:AlternateContent xmlns:mc="http://schemas.openxmlformats.org/markup-compatibility/2006">
               <mc:Choice xmlns:v="urn:schemas-microsoft-com:vml" Requires="v">
-                <p:oleObj spid="_x0000_s29795" name="Imagen" r:id="rId5" imgW="2012950" imgH="977900" progId="MS_ClipArt_Gallery.2">
+                <p:oleObj spid="_x0000_s29807" name="Imagen" r:id="rId5" imgW="2012950" imgH="977900" progId="MS_ClipArt_Gallery.2">
                   <p:embed/>
                 </p:oleObj>
               </mc:Choice>
@@ -6620,7 +6872,7 @@
           <a:graphicData uri="http://schemas.openxmlformats.org/presentationml/2006/ole">
             <mc:AlternateContent xmlns:mc="http://schemas.openxmlformats.org/markup-compatibility/2006">
               <mc:Choice xmlns:v="urn:schemas-microsoft-com:vml" Requires="v">
-                <p:oleObj spid="_x0000_s29796" name="Imagen" r:id="rId7" imgW="1912938" imgH="1168400" progId="MS_ClipArt_Gallery.2">
+                <p:oleObj spid="_x0000_s29808" name="Imagen" r:id="rId7" imgW="1912938" imgH="1168400" progId="MS_ClipArt_Gallery.2">
                   <p:embed/>
                 </p:oleObj>
               </mc:Choice>
@@ -6713,7 +6965,7 @@
           <a:graphicData uri="http://schemas.openxmlformats.org/presentationml/2006/ole">
             <mc:AlternateContent xmlns:mc="http://schemas.openxmlformats.org/markup-compatibility/2006">
               <mc:Choice xmlns:v="urn:schemas-microsoft-com:vml" Requires="v">
-                <p:oleObj spid="_x0000_s29797" name="Imagen" r:id="rId9" imgW="2697163" imgH="2465388" progId="MS_ClipArt_Gallery.2">
+                <p:oleObj spid="_x0000_s29809" name="Imagen" r:id="rId9" imgW="2697163" imgH="2465388" progId="MS_ClipArt_Gallery.2">
                   <p:embed/>
                 </p:oleObj>
               </mc:Choice>
@@ -14131,6 +14383,353 @@
     <p:bldLst>
       <p:bldP spid="19461" grpId="0"/>
       <p:bldP spid="11" grpId="0"/>
+    </p:bldLst>
+  </p:timing>
+</p:sld>
+</file>
+
+<file path=ppt/slides/slide17.xml><?xml version="1.0" encoding="utf-8"?>
+<p:sld xmlns:a="http://schemas.openxmlformats.org/drawingml/2006/main" xmlns:r="http://schemas.openxmlformats.org/officeDocument/2006/relationships" xmlns:p="http://schemas.openxmlformats.org/presentationml/2006/main">
+  <p:cSld>
+    <p:spTree>
+      <p:nvGrpSpPr>
+        <p:cNvPr id="1" name=""/>
+        <p:cNvGrpSpPr/>
+        <p:nvPr/>
+      </p:nvGrpSpPr>
+      <p:grpSpPr>
+        <a:xfrm>
+          <a:off x="0" y="0"/>
+          <a:ext cx="0" cy="0"/>
+          <a:chOff x="0" y="0"/>
+          <a:chExt cx="0" cy="0"/>
+        </a:xfrm>
+      </p:grpSpPr>
+      <p:sp>
+        <p:nvSpPr>
+          <p:cNvPr id="19461" name="10 CuadroTexto"/>
+          <p:cNvSpPr txBox="1">
+            <a:spLocks noChangeArrowheads="1"/>
+          </p:cNvSpPr>
+          <p:nvPr/>
+        </p:nvSpPr>
+        <p:spPr bwMode="auto">
+          <a:xfrm>
+            <a:off x="539552" y="1412776"/>
+            <a:ext cx="8064896" cy="1295868"/>
+          </a:xfrm>
+          <a:prstGeom prst="rect">
+            <a:avLst/>
+          </a:prstGeom>
+          <a:noFill/>
+          <a:ln>
+            <a:noFill/>
+          </a:ln>
+          <a:extLst>
+            <a:ext uri="{909E8E84-426E-40DD-AFC4-6F175D3DCCD1}">
+              <a14:hiddenFill xmlns:a14="http://schemas.microsoft.com/office/drawing/2010/main">
+                <a:solidFill>
+                  <a:srgbClr val="FFFFFF"/>
+                </a:solidFill>
+              </a14:hiddenFill>
+            </a:ext>
+            <a:ext uri="{91240B29-F687-4F45-9708-019B960494DF}">
+              <a14:hiddenLine xmlns:a14="http://schemas.microsoft.com/office/drawing/2010/main" w="9525">
+                <a:solidFill>
+                  <a:srgbClr val="000000"/>
+                </a:solidFill>
+                <a:miter lim="800000"/>
+                <a:headEnd/>
+                <a:tailEnd/>
+              </a14:hiddenLine>
+            </a:ext>
+          </a:extLst>
+        </p:spPr>
+        <p:txBody>
+          <a:bodyPr wrap="square">
+            <a:spAutoFit/>
+          </a:bodyPr>
+          <a:lstStyle>
+            <a:lvl1pPr eaLnBrk="0" hangingPunct="0">
+              <a:defRPr sz="2400">
+                <a:solidFill>
+                  <a:schemeClr val="tx1"/>
+                </a:solidFill>
+                <a:latin typeface="Times New Roman" pitchFamily="18" charset="0"/>
+              </a:defRPr>
+            </a:lvl1pPr>
+            <a:lvl2pPr marL="742950" indent="-285750" eaLnBrk="0" hangingPunct="0">
+              <a:defRPr sz="2400">
+                <a:solidFill>
+                  <a:schemeClr val="tx1"/>
+                </a:solidFill>
+                <a:latin typeface="Times New Roman" pitchFamily="18" charset="0"/>
+              </a:defRPr>
+            </a:lvl2pPr>
+            <a:lvl3pPr marL="1143000" indent="-228600" eaLnBrk="0" hangingPunct="0">
+              <a:defRPr sz="2400">
+                <a:solidFill>
+                  <a:schemeClr val="tx1"/>
+                </a:solidFill>
+                <a:latin typeface="Times New Roman" pitchFamily="18" charset="0"/>
+              </a:defRPr>
+            </a:lvl3pPr>
+            <a:lvl4pPr marL="1600200" indent="-228600" eaLnBrk="0" hangingPunct="0">
+              <a:defRPr sz="2400">
+                <a:solidFill>
+                  <a:schemeClr val="tx1"/>
+                </a:solidFill>
+                <a:latin typeface="Times New Roman" pitchFamily="18" charset="0"/>
+              </a:defRPr>
+            </a:lvl4pPr>
+            <a:lvl5pPr marL="2057400" indent="-228600" eaLnBrk="0" hangingPunct="0">
+              <a:defRPr sz="2400">
+                <a:solidFill>
+                  <a:schemeClr val="tx1"/>
+                </a:solidFill>
+                <a:latin typeface="Times New Roman" pitchFamily="18" charset="0"/>
+              </a:defRPr>
+            </a:lvl5pPr>
+            <a:lvl6pPr marL="2514600" indent="-228600" eaLnBrk="0" fontAlgn="base" hangingPunct="0">
+              <a:spcBef>
+                <a:spcPct val="0"/>
+              </a:spcBef>
+              <a:spcAft>
+                <a:spcPct val="0"/>
+              </a:spcAft>
+              <a:defRPr sz="2400">
+                <a:solidFill>
+                  <a:schemeClr val="tx1"/>
+                </a:solidFill>
+                <a:latin typeface="Times New Roman" pitchFamily="18" charset="0"/>
+              </a:defRPr>
+            </a:lvl6pPr>
+            <a:lvl7pPr marL="2971800" indent="-228600" eaLnBrk="0" fontAlgn="base" hangingPunct="0">
+              <a:spcBef>
+                <a:spcPct val="0"/>
+              </a:spcBef>
+              <a:spcAft>
+                <a:spcPct val="0"/>
+              </a:spcAft>
+              <a:defRPr sz="2400">
+                <a:solidFill>
+                  <a:schemeClr val="tx1"/>
+                </a:solidFill>
+                <a:latin typeface="Times New Roman" pitchFamily="18" charset="0"/>
+              </a:defRPr>
+            </a:lvl7pPr>
+            <a:lvl8pPr marL="3429000" indent="-228600" eaLnBrk="0" fontAlgn="base" hangingPunct="0">
+              <a:spcBef>
+                <a:spcPct val="0"/>
+              </a:spcBef>
+              <a:spcAft>
+                <a:spcPct val="0"/>
+              </a:spcAft>
+              <a:defRPr sz="2400">
+                <a:solidFill>
+                  <a:schemeClr val="tx1"/>
+                </a:solidFill>
+                <a:latin typeface="Times New Roman" pitchFamily="18" charset="0"/>
+              </a:defRPr>
+            </a:lvl8pPr>
+            <a:lvl9pPr marL="3886200" indent="-228600" eaLnBrk="0" fontAlgn="base" hangingPunct="0">
+              <a:spcBef>
+                <a:spcPct val="0"/>
+              </a:spcBef>
+              <a:spcAft>
+                <a:spcPct val="0"/>
+              </a:spcAft>
+              <a:defRPr sz="2400">
+                <a:solidFill>
+                  <a:schemeClr val="tx1"/>
+                </a:solidFill>
+                <a:latin typeface="Times New Roman" pitchFamily="18" charset="0"/>
+              </a:defRPr>
+            </a:lvl9pPr>
+          </a:lstStyle>
+          <a:p>
+            <a:pPr algn="ctr" eaLnBrk="1" hangingPunct="1">
+              <a:lnSpc>
+                <a:spcPct val="150000"/>
+              </a:lnSpc>
+            </a:pPr>
+            <a:r>
+              <a:rPr lang="es-ES" sz="1800" dirty="0">
+                <a:latin typeface="ZapfHumnst BT"/>
+              </a:rPr>
+              <a:t>Se refiere a que la cantidad de datos que se reciben cada segundo está siendo reducido por algún factor como el tipo de red que otorga el proveedor o por una saturación de la red.</a:t>
+            </a:r>
+          </a:p>
+        </p:txBody>
+      </p:sp>
+      <p:sp>
+        <p:nvSpPr>
+          <p:cNvPr id="8" name="Rectangle 2"/>
+          <p:cNvSpPr txBox="1">
+            <a:spLocks noChangeArrowheads="1"/>
+          </p:cNvSpPr>
+          <p:nvPr/>
+        </p:nvSpPr>
+        <p:spPr>
+          <a:xfrm>
+            <a:off x="89756" y="269776"/>
+            <a:ext cx="8964488" cy="1143000"/>
+          </a:xfrm>
+          <a:prstGeom prst="rect">
+            <a:avLst/>
+          </a:prstGeom>
+        </p:spPr>
+        <p:txBody>
+          <a:bodyPr vert="horz" lIns="92075" tIns="46038" rIns="92075" bIns="46038" rtlCol="0" anchor="ctr">
+            <a:noAutofit/>
+          </a:bodyPr>
+          <a:lstStyle>
+            <a:lvl1pPr algn="ctr" defTabSz="914400" rtl="0" eaLnBrk="1" latinLnBrk="0" hangingPunct="1">
+              <a:spcBef>
+                <a:spcPct val="0"/>
+              </a:spcBef>
+              <a:buNone/>
+              <a:defRPr sz="4400" kern="1200">
+                <a:solidFill>
+                  <a:schemeClr val="tx1"/>
+                </a:solidFill>
+                <a:latin typeface="+mj-lt"/>
+                <a:ea typeface="+mj-ea"/>
+                <a:cs typeface="+mj-cs"/>
+              </a:defRPr>
+            </a:lvl1pPr>
+          </a:lstStyle>
+          <a:p>
+            <a:pPr>
+              <a:defRPr/>
+            </a:pPr>
+            <a:r>
+              <a:rPr lang="es-ES_tradnl" sz="3200" dirty="0">
+                <a:solidFill>
+                  <a:srgbClr val="3333CC"/>
+                </a:solidFill>
+                <a:effectLst>
+                  <a:outerShdw blurRad="38100" dist="38100" dir="2700000" algn="tl">
+                    <a:srgbClr val="C0C0C0"/>
+                  </a:outerShdw>
+                </a:effectLst>
+                <a:latin typeface="Dom Casual" charset="0"/>
+              </a:rPr>
+              <a:t> </a:t>
+            </a:r>
+            <a:r>
+              <a:rPr lang="es-ES_tradnl" sz="3200" b="1" dirty="0">
+                <a:solidFill>
+                  <a:schemeClr val="accent4">
+                    <a:lumMod val="50000"/>
+                  </a:schemeClr>
+                </a:solidFill>
+                <a:effectLst>
+                  <a:outerShdw blurRad="38100" dist="38100" dir="2700000" algn="tl">
+                    <a:srgbClr val="C0C0C0"/>
+                  </a:outerShdw>
+                </a:effectLst>
+                <a:latin typeface="Dom Casual" charset="0"/>
+              </a:rPr>
+              <a:t>Ancho de banda limitado</a:t>
+            </a:r>
+          </a:p>
+        </p:txBody>
+      </p:sp>
+    </p:spTree>
+    <p:extLst>
+      <p:ext uri="{BB962C8B-B14F-4D97-AF65-F5344CB8AC3E}">
+        <p14:creationId xmlns:p14="http://schemas.microsoft.com/office/powerpoint/2010/main" val="1735542014"/>
+      </p:ext>
+    </p:extLst>
+  </p:cSld>
+  <p:clrMapOvr>
+    <a:masterClrMapping/>
+  </p:clrMapOvr>
+  <p:timing>
+    <p:tnLst>
+      <p:par>
+        <p:cTn id="1" dur="indefinite" restart="never" nodeType="tmRoot">
+          <p:childTnLst>
+            <p:seq concurrent="1" nextAc="seek">
+              <p:cTn id="2" dur="indefinite" nodeType="mainSeq">
+                <p:childTnLst>
+                  <p:par>
+                    <p:cTn id="3" fill="hold" nodeType="clickPar">
+                      <p:stCondLst>
+                        <p:cond delay="indefinite"/>
+                      </p:stCondLst>
+                      <p:childTnLst>
+                        <p:par>
+                          <p:cTn id="4" fill="hold" nodeType="withGroup">
+                            <p:stCondLst>
+                              <p:cond delay="0"/>
+                            </p:stCondLst>
+                            <p:childTnLst>
+                              <p:par>
+                                <p:cTn id="5" presetID="4" presetClass="entr" presetSubtype="16" fill="hold" grpId="0" nodeType="clickEffect">
+                                  <p:stCondLst>
+                                    <p:cond delay="0"/>
+                                  </p:stCondLst>
+                                  <p:childTnLst>
+                                    <p:set>
+                                      <p:cBhvr>
+                                        <p:cTn id="6" dur="1" fill="hold">
+                                          <p:stCondLst>
+                                            <p:cond delay="0"/>
+                                          </p:stCondLst>
+                                        </p:cTn>
+                                        <p:tgtEl>
+                                          <p:spTgt spid="19461"/>
+                                        </p:tgtEl>
+                                        <p:attrNameLst>
+                                          <p:attrName>style.visibility</p:attrName>
+                                        </p:attrNameLst>
+                                      </p:cBhvr>
+                                      <p:to>
+                                        <p:strVal val="visible"/>
+                                      </p:to>
+                                    </p:set>
+                                    <p:animEffect transition="in" filter="box(in)">
+                                      <p:cBhvr>
+                                        <p:cTn id="7" dur="500"/>
+                                        <p:tgtEl>
+                                          <p:spTgt spid="19461"/>
+                                        </p:tgtEl>
+                                      </p:cBhvr>
+                                    </p:animEffect>
+                                  </p:childTnLst>
+                                </p:cTn>
+                              </p:par>
+                            </p:childTnLst>
+                          </p:cTn>
+                        </p:par>
+                      </p:childTnLst>
+                    </p:cTn>
+                  </p:par>
+                </p:childTnLst>
+              </p:cTn>
+              <p:prevCondLst>
+                <p:cond evt="onPrev" delay="0">
+                  <p:tgtEl>
+                    <p:sldTgt/>
+                  </p:tgtEl>
+                </p:cond>
+              </p:prevCondLst>
+              <p:nextCondLst>
+                <p:cond evt="onNext" delay="0">
+                  <p:tgtEl>
+                    <p:sldTgt/>
+                  </p:tgtEl>
+                </p:cond>
+              </p:nextCondLst>
+            </p:seq>
+          </p:childTnLst>
+        </p:cTn>
+      </p:par>
+    </p:tnLst>
+    <p:bldLst>
+      <p:bldP spid="19461" grpId="0"/>
     </p:bldLst>
   </p:timing>
 </p:sld>
@@ -26859,7 +27458,7 @@
           <a:graphicData uri="http://schemas.openxmlformats.org/presentationml/2006/ole">
             <mc:AlternateContent xmlns:mc="http://schemas.openxmlformats.org/markup-compatibility/2006">
               <mc:Choice xmlns:v="urn:schemas-microsoft-com:vml" Requires="v">
-                <p:oleObj spid="_x0000_s28697" name="Imagen" r:id="rId3" imgW="3675063" imgH="1587500" progId="MS_ClipArt_Gallery.2">
+                <p:oleObj spid="_x0000_s28700" name="Imagen" r:id="rId3" imgW="3675063" imgH="1587500" progId="MS_ClipArt_Gallery.2">
                   <p:embed/>
                 </p:oleObj>
               </mc:Choice>

--- a/Calendario2022/Presentaciones/IF_CapaFisica.pptx
+++ b/Calendario2022/Presentaciones/IF_CapaFisica.pptx
@@ -5,7 +5,7 @@
     <p:sldMasterId id="2147483648" r:id="rId1"/>
   </p:sldMasterIdLst>
   <p:notesMasterIdLst>
-    <p:notesMasterId r:id="rId19"/>
+    <p:notesMasterId r:id="rId21"/>
   </p:notesMasterIdLst>
   <p:sldIdLst>
     <p:sldId id="257" r:id="rId2"/>
@@ -25,6 +25,8 @@
     <p:sldId id="819" r:id="rId16"/>
     <p:sldId id="820" r:id="rId17"/>
     <p:sldId id="821" r:id="rId18"/>
+    <p:sldId id="822" r:id="rId19"/>
+    <p:sldId id="823" r:id="rId20"/>
   </p:sldIdLst>
   <p:sldSz cx="9144000" cy="6858000" type="screen4x3"/>
   <p:notesSz cx="7023100" cy="9309100"/>
@@ -224,7 +226,7 @@
           <a:p>
             <a:fld id="{2D445F07-8756-451B-A938-0248325FC7BB}" type="datetimeFigureOut">
               <a:rPr lang="es-MX" smtClean="0"/>
-              <a:t>01/04/2022</a:t>
+              <a:t>15/04/2022</a:t>
             </a:fld>
             <a:endParaRPr lang="es-MX" dirty="0"/>
           </a:p>
@@ -1329,6 +1331,508 @@
 </p:notes>
 </file>
 
+<file path=ppt/notesSlides/notesSlide13.xml><?xml version="1.0" encoding="utf-8"?>
+<p:notes xmlns:a="http://schemas.openxmlformats.org/drawingml/2006/main" xmlns:r="http://schemas.openxmlformats.org/officeDocument/2006/relationships" xmlns:p="http://schemas.openxmlformats.org/presentationml/2006/main">
+  <p:cSld>
+    <p:spTree>
+      <p:nvGrpSpPr>
+        <p:cNvPr id="1" name=""/>
+        <p:cNvGrpSpPr/>
+        <p:nvPr/>
+      </p:nvGrpSpPr>
+      <p:grpSpPr>
+        <a:xfrm>
+          <a:off x="0" y="0"/>
+          <a:ext cx="0" cy="0"/>
+          <a:chOff x="0" y="0"/>
+          <a:chExt cx="0" cy="0"/>
+        </a:xfrm>
+      </p:grpSpPr>
+      <p:sp>
+        <p:nvSpPr>
+          <p:cNvPr id="40962" name="1 Marcador de imagen de diapositiva"/>
+          <p:cNvSpPr>
+            <a:spLocks noGrp="1" noRot="1" noChangeAspect="1" noTextEdit="1"/>
+          </p:cNvSpPr>
+          <p:nvPr>
+            <p:ph type="sldImg"/>
+          </p:nvPr>
+        </p:nvSpPr>
+        <p:spPr bwMode="auto">
+          <a:noFill/>
+          <a:ln>
+            <a:solidFill>
+              <a:srgbClr val="000000"/>
+            </a:solidFill>
+            <a:miter lim="800000"/>
+            <a:headEnd/>
+            <a:tailEnd/>
+          </a:ln>
+          <a:extLst>
+            <a:ext uri="{909E8E84-426E-40DD-AFC4-6F175D3DCCD1}">
+              <a14:hiddenFill xmlns:a14="http://schemas.microsoft.com/office/drawing/2010/main">
+                <a:solidFill>
+                  <a:srgbClr val="FFFFFF"/>
+                </a:solidFill>
+              </a14:hiddenFill>
+            </a:ext>
+          </a:extLst>
+        </p:spPr>
+      </p:sp>
+      <p:sp>
+        <p:nvSpPr>
+          <p:cNvPr id="40963" name="2 Marcador de notas"/>
+          <p:cNvSpPr>
+            <a:spLocks noGrp="1"/>
+          </p:cNvSpPr>
+          <p:nvPr>
+            <p:ph type="body" idx="1"/>
+          </p:nvPr>
+        </p:nvSpPr>
+        <p:spPr bwMode="auto">
+          <a:noFill/>
+          <a:extLst>
+            <a:ext uri="{909E8E84-426E-40DD-AFC4-6F175D3DCCD1}">
+              <a14:hiddenFill xmlns:a14="http://schemas.microsoft.com/office/drawing/2010/main">
+                <a:solidFill>
+                  <a:srgbClr val="FFFFFF"/>
+                </a:solidFill>
+              </a14:hiddenFill>
+            </a:ext>
+            <a:ext uri="{91240B29-F687-4F45-9708-019B960494DF}">
+              <a14:hiddenLine xmlns:a14="http://schemas.microsoft.com/office/drawing/2010/main" w="9525">
+                <a:solidFill>
+                  <a:srgbClr val="000000"/>
+                </a:solidFill>
+                <a:miter lim="800000"/>
+                <a:headEnd/>
+                <a:tailEnd/>
+              </a14:hiddenLine>
+            </a:ext>
+          </a:extLst>
+        </p:spPr>
+        <p:txBody>
+          <a:bodyPr wrap="square" numCol="1" anchor="t" anchorCtr="0" compatLnSpc="1">
+            <a:prstTxWarp prst="textNoShape">
+              <a:avLst/>
+            </a:prstTxWarp>
+          </a:bodyPr>
+          <a:lstStyle/>
+          <a:p>
+            <a:endParaRPr lang="es-MX" dirty="0"/>
+          </a:p>
+        </p:txBody>
+      </p:sp>
+      <p:sp>
+        <p:nvSpPr>
+          <p:cNvPr id="40964" name="3 Marcador de número de diapositiva"/>
+          <p:cNvSpPr>
+            <a:spLocks noGrp="1"/>
+          </p:cNvSpPr>
+          <p:nvPr>
+            <p:ph type="sldNum" sz="quarter" idx="5"/>
+          </p:nvPr>
+        </p:nvSpPr>
+        <p:spPr bwMode="auto">
+          <a:noFill/>
+          <a:extLst>
+            <a:ext uri="{909E8E84-426E-40DD-AFC4-6F175D3DCCD1}">
+              <a14:hiddenFill xmlns:a14="http://schemas.microsoft.com/office/drawing/2010/main">
+                <a:solidFill>
+                  <a:srgbClr val="FFFFFF"/>
+                </a:solidFill>
+              </a14:hiddenFill>
+            </a:ext>
+            <a:ext uri="{91240B29-F687-4F45-9708-019B960494DF}">
+              <a14:hiddenLine xmlns:a14="http://schemas.microsoft.com/office/drawing/2010/main" w="9525">
+                <a:solidFill>
+                  <a:srgbClr val="000000"/>
+                </a:solidFill>
+                <a:miter lim="800000"/>
+                <a:headEnd/>
+                <a:tailEnd/>
+              </a14:hiddenLine>
+            </a:ext>
+          </a:extLst>
+        </p:spPr>
+        <p:txBody>
+          <a:bodyPr wrap="square" numCol="1" anchorCtr="0" compatLnSpc="1">
+            <a:prstTxWarp prst="textNoShape">
+              <a:avLst/>
+            </a:prstTxWarp>
+          </a:bodyPr>
+          <a:lstStyle>
+            <a:lvl1pPr eaLnBrk="0" hangingPunct="0">
+              <a:defRPr sz="2400">
+                <a:solidFill>
+                  <a:schemeClr val="tx1"/>
+                </a:solidFill>
+                <a:latin typeface="Times New Roman" pitchFamily="18" charset="0"/>
+              </a:defRPr>
+            </a:lvl1pPr>
+            <a:lvl2pPr marL="752472" indent="-289412" eaLnBrk="0" hangingPunct="0">
+              <a:defRPr sz="2400">
+                <a:solidFill>
+                  <a:schemeClr val="tx1"/>
+                </a:solidFill>
+                <a:latin typeface="Times New Roman" pitchFamily="18" charset="0"/>
+              </a:defRPr>
+            </a:lvl2pPr>
+            <a:lvl3pPr marL="1157650" indent="-231530" eaLnBrk="0" hangingPunct="0">
+              <a:defRPr sz="2400">
+                <a:solidFill>
+                  <a:schemeClr val="tx1"/>
+                </a:solidFill>
+                <a:latin typeface="Times New Roman" pitchFamily="18" charset="0"/>
+              </a:defRPr>
+            </a:lvl3pPr>
+            <a:lvl4pPr marL="1620709" indent="-231530" eaLnBrk="0" hangingPunct="0">
+              <a:defRPr sz="2400">
+                <a:solidFill>
+                  <a:schemeClr val="tx1"/>
+                </a:solidFill>
+                <a:latin typeface="Times New Roman" pitchFamily="18" charset="0"/>
+              </a:defRPr>
+            </a:lvl4pPr>
+            <a:lvl5pPr marL="2083770" indent="-231530" eaLnBrk="0" hangingPunct="0">
+              <a:defRPr sz="2400">
+                <a:solidFill>
+                  <a:schemeClr val="tx1"/>
+                </a:solidFill>
+                <a:latin typeface="Times New Roman" pitchFamily="18" charset="0"/>
+              </a:defRPr>
+            </a:lvl5pPr>
+            <a:lvl6pPr marL="2546830" indent="-231530" eaLnBrk="0" fontAlgn="base" hangingPunct="0">
+              <a:spcBef>
+                <a:spcPct val="0"/>
+              </a:spcBef>
+              <a:spcAft>
+                <a:spcPct val="0"/>
+              </a:spcAft>
+              <a:defRPr sz="2400">
+                <a:solidFill>
+                  <a:schemeClr val="tx1"/>
+                </a:solidFill>
+                <a:latin typeface="Times New Roman" pitchFamily="18" charset="0"/>
+              </a:defRPr>
+            </a:lvl6pPr>
+            <a:lvl7pPr marL="3009889" indent="-231530" eaLnBrk="0" fontAlgn="base" hangingPunct="0">
+              <a:spcBef>
+                <a:spcPct val="0"/>
+              </a:spcBef>
+              <a:spcAft>
+                <a:spcPct val="0"/>
+              </a:spcAft>
+              <a:defRPr sz="2400">
+                <a:solidFill>
+                  <a:schemeClr val="tx1"/>
+                </a:solidFill>
+                <a:latin typeface="Times New Roman" pitchFamily="18" charset="0"/>
+              </a:defRPr>
+            </a:lvl7pPr>
+            <a:lvl8pPr marL="3472950" indent="-231530" eaLnBrk="0" fontAlgn="base" hangingPunct="0">
+              <a:spcBef>
+                <a:spcPct val="0"/>
+              </a:spcBef>
+              <a:spcAft>
+                <a:spcPct val="0"/>
+              </a:spcAft>
+              <a:defRPr sz="2400">
+                <a:solidFill>
+                  <a:schemeClr val="tx1"/>
+                </a:solidFill>
+                <a:latin typeface="Times New Roman" pitchFamily="18" charset="0"/>
+              </a:defRPr>
+            </a:lvl8pPr>
+            <a:lvl9pPr marL="3936009" indent="-231530" eaLnBrk="0" fontAlgn="base" hangingPunct="0">
+              <a:spcBef>
+                <a:spcPct val="0"/>
+              </a:spcBef>
+              <a:spcAft>
+                <a:spcPct val="0"/>
+              </a:spcAft>
+              <a:defRPr sz="2400">
+                <a:solidFill>
+                  <a:schemeClr val="tx1"/>
+                </a:solidFill>
+                <a:latin typeface="Times New Roman" pitchFamily="18" charset="0"/>
+              </a:defRPr>
+            </a:lvl9pPr>
+          </a:lstStyle>
+          <a:p>
+            <a:fld id="{56F04661-FEDA-4297-9392-E99059580857}" type="slidenum">
+              <a:rPr lang="es-MX" sz="1200"/>
+              <a:pPr/>
+              <a:t>18</a:t>
+            </a:fld>
+            <a:endParaRPr lang="es-MX" sz="1200"/>
+          </a:p>
+        </p:txBody>
+      </p:sp>
+    </p:spTree>
+    <p:extLst>
+      <p:ext uri="{BB962C8B-B14F-4D97-AF65-F5344CB8AC3E}">
+        <p14:creationId xmlns:p14="http://schemas.microsoft.com/office/powerpoint/2010/main" val="1351190187"/>
+      </p:ext>
+    </p:extLst>
+  </p:cSld>
+  <p:clrMapOvr>
+    <a:masterClrMapping/>
+  </p:clrMapOvr>
+</p:notes>
+</file>
+
+<file path=ppt/notesSlides/notesSlide14.xml><?xml version="1.0" encoding="utf-8"?>
+<p:notes xmlns:a="http://schemas.openxmlformats.org/drawingml/2006/main" xmlns:r="http://schemas.openxmlformats.org/officeDocument/2006/relationships" xmlns:p="http://schemas.openxmlformats.org/presentationml/2006/main">
+  <p:cSld>
+    <p:spTree>
+      <p:nvGrpSpPr>
+        <p:cNvPr id="1" name=""/>
+        <p:cNvGrpSpPr/>
+        <p:nvPr/>
+      </p:nvGrpSpPr>
+      <p:grpSpPr>
+        <a:xfrm>
+          <a:off x="0" y="0"/>
+          <a:ext cx="0" cy="0"/>
+          <a:chOff x="0" y="0"/>
+          <a:chExt cx="0" cy="0"/>
+        </a:xfrm>
+      </p:grpSpPr>
+      <p:sp>
+        <p:nvSpPr>
+          <p:cNvPr id="40962" name="1 Marcador de imagen de diapositiva"/>
+          <p:cNvSpPr>
+            <a:spLocks noGrp="1" noRot="1" noChangeAspect="1" noTextEdit="1"/>
+          </p:cNvSpPr>
+          <p:nvPr>
+            <p:ph type="sldImg"/>
+          </p:nvPr>
+        </p:nvSpPr>
+        <p:spPr bwMode="auto">
+          <a:noFill/>
+          <a:ln>
+            <a:solidFill>
+              <a:srgbClr val="000000"/>
+            </a:solidFill>
+            <a:miter lim="800000"/>
+            <a:headEnd/>
+            <a:tailEnd/>
+          </a:ln>
+          <a:extLst>
+            <a:ext uri="{909E8E84-426E-40DD-AFC4-6F175D3DCCD1}">
+              <a14:hiddenFill xmlns:a14="http://schemas.microsoft.com/office/drawing/2010/main">
+                <a:solidFill>
+                  <a:srgbClr val="FFFFFF"/>
+                </a:solidFill>
+              </a14:hiddenFill>
+            </a:ext>
+          </a:extLst>
+        </p:spPr>
+      </p:sp>
+      <p:sp>
+        <p:nvSpPr>
+          <p:cNvPr id="40963" name="2 Marcador de notas"/>
+          <p:cNvSpPr>
+            <a:spLocks noGrp="1"/>
+          </p:cNvSpPr>
+          <p:nvPr>
+            <p:ph type="body" idx="1"/>
+          </p:nvPr>
+        </p:nvSpPr>
+        <p:spPr bwMode="auto">
+          <a:noFill/>
+          <a:extLst>
+            <a:ext uri="{909E8E84-426E-40DD-AFC4-6F175D3DCCD1}">
+              <a14:hiddenFill xmlns:a14="http://schemas.microsoft.com/office/drawing/2010/main">
+                <a:solidFill>
+                  <a:srgbClr val="FFFFFF"/>
+                </a:solidFill>
+              </a14:hiddenFill>
+            </a:ext>
+            <a:ext uri="{91240B29-F687-4F45-9708-019B960494DF}">
+              <a14:hiddenLine xmlns:a14="http://schemas.microsoft.com/office/drawing/2010/main" w="9525">
+                <a:solidFill>
+                  <a:srgbClr val="000000"/>
+                </a:solidFill>
+                <a:miter lim="800000"/>
+                <a:headEnd/>
+                <a:tailEnd/>
+              </a14:hiddenLine>
+            </a:ext>
+          </a:extLst>
+        </p:spPr>
+        <p:txBody>
+          <a:bodyPr wrap="square" numCol="1" anchor="t" anchorCtr="0" compatLnSpc="1">
+            <a:prstTxWarp prst="textNoShape">
+              <a:avLst/>
+            </a:prstTxWarp>
+          </a:bodyPr>
+          <a:lstStyle/>
+          <a:p>
+            <a:endParaRPr lang="es-MX" dirty="0"/>
+          </a:p>
+        </p:txBody>
+      </p:sp>
+      <p:sp>
+        <p:nvSpPr>
+          <p:cNvPr id="40964" name="3 Marcador de número de diapositiva"/>
+          <p:cNvSpPr>
+            <a:spLocks noGrp="1"/>
+          </p:cNvSpPr>
+          <p:nvPr>
+            <p:ph type="sldNum" sz="quarter" idx="5"/>
+          </p:nvPr>
+        </p:nvSpPr>
+        <p:spPr bwMode="auto">
+          <a:noFill/>
+          <a:extLst>
+            <a:ext uri="{909E8E84-426E-40DD-AFC4-6F175D3DCCD1}">
+              <a14:hiddenFill xmlns:a14="http://schemas.microsoft.com/office/drawing/2010/main">
+                <a:solidFill>
+                  <a:srgbClr val="FFFFFF"/>
+                </a:solidFill>
+              </a14:hiddenFill>
+            </a:ext>
+            <a:ext uri="{91240B29-F687-4F45-9708-019B960494DF}">
+              <a14:hiddenLine xmlns:a14="http://schemas.microsoft.com/office/drawing/2010/main" w="9525">
+                <a:solidFill>
+                  <a:srgbClr val="000000"/>
+                </a:solidFill>
+                <a:miter lim="800000"/>
+                <a:headEnd/>
+                <a:tailEnd/>
+              </a14:hiddenLine>
+            </a:ext>
+          </a:extLst>
+        </p:spPr>
+        <p:txBody>
+          <a:bodyPr wrap="square" numCol="1" anchorCtr="0" compatLnSpc="1">
+            <a:prstTxWarp prst="textNoShape">
+              <a:avLst/>
+            </a:prstTxWarp>
+          </a:bodyPr>
+          <a:lstStyle>
+            <a:lvl1pPr eaLnBrk="0" hangingPunct="0">
+              <a:defRPr sz="2400">
+                <a:solidFill>
+                  <a:schemeClr val="tx1"/>
+                </a:solidFill>
+                <a:latin typeface="Times New Roman" pitchFamily="18" charset="0"/>
+              </a:defRPr>
+            </a:lvl1pPr>
+            <a:lvl2pPr marL="752472" indent="-289412" eaLnBrk="0" hangingPunct="0">
+              <a:defRPr sz="2400">
+                <a:solidFill>
+                  <a:schemeClr val="tx1"/>
+                </a:solidFill>
+                <a:latin typeface="Times New Roman" pitchFamily="18" charset="0"/>
+              </a:defRPr>
+            </a:lvl2pPr>
+            <a:lvl3pPr marL="1157650" indent="-231530" eaLnBrk="0" hangingPunct="0">
+              <a:defRPr sz="2400">
+                <a:solidFill>
+                  <a:schemeClr val="tx1"/>
+                </a:solidFill>
+                <a:latin typeface="Times New Roman" pitchFamily="18" charset="0"/>
+              </a:defRPr>
+            </a:lvl3pPr>
+            <a:lvl4pPr marL="1620709" indent="-231530" eaLnBrk="0" hangingPunct="0">
+              <a:defRPr sz="2400">
+                <a:solidFill>
+                  <a:schemeClr val="tx1"/>
+                </a:solidFill>
+                <a:latin typeface="Times New Roman" pitchFamily="18" charset="0"/>
+              </a:defRPr>
+            </a:lvl4pPr>
+            <a:lvl5pPr marL="2083770" indent="-231530" eaLnBrk="0" hangingPunct="0">
+              <a:defRPr sz="2400">
+                <a:solidFill>
+                  <a:schemeClr val="tx1"/>
+                </a:solidFill>
+                <a:latin typeface="Times New Roman" pitchFamily="18" charset="0"/>
+              </a:defRPr>
+            </a:lvl5pPr>
+            <a:lvl6pPr marL="2546830" indent="-231530" eaLnBrk="0" fontAlgn="base" hangingPunct="0">
+              <a:spcBef>
+                <a:spcPct val="0"/>
+              </a:spcBef>
+              <a:spcAft>
+                <a:spcPct val="0"/>
+              </a:spcAft>
+              <a:defRPr sz="2400">
+                <a:solidFill>
+                  <a:schemeClr val="tx1"/>
+                </a:solidFill>
+                <a:latin typeface="Times New Roman" pitchFamily="18" charset="0"/>
+              </a:defRPr>
+            </a:lvl6pPr>
+            <a:lvl7pPr marL="3009889" indent="-231530" eaLnBrk="0" fontAlgn="base" hangingPunct="0">
+              <a:spcBef>
+                <a:spcPct val="0"/>
+              </a:spcBef>
+              <a:spcAft>
+                <a:spcPct val="0"/>
+              </a:spcAft>
+              <a:defRPr sz="2400">
+                <a:solidFill>
+                  <a:schemeClr val="tx1"/>
+                </a:solidFill>
+                <a:latin typeface="Times New Roman" pitchFamily="18" charset="0"/>
+              </a:defRPr>
+            </a:lvl7pPr>
+            <a:lvl8pPr marL="3472950" indent="-231530" eaLnBrk="0" fontAlgn="base" hangingPunct="0">
+              <a:spcBef>
+                <a:spcPct val="0"/>
+              </a:spcBef>
+              <a:spcAft>
+                <a:spcPct val="0"/>
+              </a:spcAft>
+              <a:defRPr sz="2400">
+                <a:solidFill>
+                  <a:schemeClr val="tx1"/>
+                </a:solidFill>
+                <a:latin typeface="Times New Roman" pitchFamily="18" charset="0"/>
+              </a:defRPr>
+            </a:lvl8pPr>
+            <a:lvl9pPr marL="3936009" indent="-231530" eaLnBrk="0" fontAlgn="base" hangingPunct="0">
+              <a:spcBef>
+                <a:spcPct val="0"/>
+              </a:spcBef>
+              <a:spcAft>
+                <a:spcPct val="0"/>
+              </a:spcAft>
+              <a:defRPr sz="2400">
+                <a:solidFill>
+                  <a:schemeClr val="tx1"/>
+                </a:solidFill>
+                <a:latin typeface="Times New Roman" pitchFamily="18" charset="0"/>
+              </a:defRPr>
+            </a:lvl9pPr>
+          </a:lstStyle>
+          <a:p>
+            <a:fld id="{56F04661-FEDA-4297-9392-E99059580857}" type="slidenum">
+              <a:rPr lang="es-MX" sz="1200"/>
+              <a:pPr/>
+              <a:t>19</a:t>
+            </a:fld>
+            <a:endParaRPr lang="es-MX" sz="1200"/>
+          </a:p>
+        </p:txBody>
+      </p:sp>
+    </p:spTree>
+    <p:extLst>
+      <p:ext uri="{BB962C8B-B14F-4D97-AF65-F5344CB8AC3E}">
+        <p14:creationId xmlns:p14="http://schemas.microsoft.com/office/powerpoint/2010/main" val="1445283806"/>
+      </p:ext>
+    </p:extLst>
+  </p:cSld>
+  <p:clrMapOvr>
+    <a:masterClrMapping/>
+  </p:clrMapOvr>
+</p:notes>
+</file>
+
 <file path=ppt/notesSlides/notesSlide2.xml><?xml version="1.0" encoding="utf-8"?>
 <p:notes xmlns:a="http://schemas.openxmlformats.org/drawingml/2006/main" xmlns:r="http://schemas.openxmlformats.org/officeDocument/2006/relationships" xmlns:p="http://schemas.openxmlformats.org/presentationml/2006/main">
   <p:cSld>
@@ -3192,7 +3696,7 @@
           <a:p>
             <a:fld id="{5E75A0DC-66C6-4CEC-A5EB-F8C97CEC3796}" type="datetimeFigureOut">
               <a:rPr lang="es-MX" smtClean="0"/>
-              <a:t>01/04/2022</a:t>
+              <a:t>15/04/2022</a:t>
             </a:fld>
             <a:endParaRPr lang="es-MX" dirty="0"/>
           </a:p>
@@ -3362,7 +3866,7 @@
           <a:p>
             <a:fld id="{5E75A0DC-66C6-4CEC-A5EB-F8C97CEC3796}" type="datetimeFigureOut">
               <a:rPr lang="es-MX" smtClean="0"/>
-              <a:t>01/04/2022</a:t>
+              <a:t>15/04/2022</a:t>
             </a:fld>
             <a:endParaRPr lang="es-MX" dirty="0"/>
           </a:p>
@@ -3542,7 +4046,7 @@
           <a:p>
             <a:fld id="{5E75A0DC-66C6-4CEC-A5EB-F8C97CEC3796}" type="datetimeFigureOut">
               <a:rPr lang="es-MX" smtClean="0"/>
-              <a:t>01/04/2022</a:t>
+              <a:t>15/04/2022</a:t>
             </a:fld>
             <a:endParaRPr lang="es-MX" dirty="0"/>
           </a:p>
@@ -4017,7 +4521,7 @@
           <a:p>
             <a:fld id="{5E75A0DC-66C6-4CEC-A5EB-F8C97CEC3796}" type="datetimeFigureOut">
               <a:rPr lang="es-MX" smtClean="0"/>
-              <a:t>01/04/2022</a:t>
+              <a:t>15/04/2022</a:t>
             </a:fld>
             <a:endParaRPr lang="es-MX" dirty="0"/>
           </a:p>
@@ -4263,7 +4767,7 @@
           <a:p>
             <a:fld id="{5E75A0DC-66C6-4CEC-A5EB-F8C97CEC3796}" type="datetimeFigureOut">
               <a:rPr lang="es-MX" smtClean="0"/>
-              <a:t>01/04/2022</a:t>
+              <a:t>15/04/2022</a:t>
             </a:fld>
             <a:endParaRPr lang="es-MX" dirty="0"/>
           </a:p>
@@ -4551,7 +5055,7 @@
           <a:p>
             <a:fld id="{5E75A0DC-66C6-4CEC-A5EB-F8C97CEC3796}" type="datetimeFigureOut">
               <a:rPr lang="es-MX" smtClean="0"/>
-              <a:t>01/04/2022</a:t>
+              <a:t>15/04/2022</a:t>
             </a:fld>
             <a:endParaRPr lang="es-MX" dirty="0"/>
           </a:p>
@@ -4973,7 +5477,7 @@
           <a:p>
             <a:fld id="{5E75A0DC-66C6-4CEC-A5EB-F8C97CEC3796}" type="datetimeFigureOut">
               <a:rPr lang="es-MX" smtClean="0"/>
-              <a:t>01/04/2022</a:t>
+              <a:t>15/04/2022</a:t>
             </a:fld>
             <a:endParaRPr lang="es-MX" dirty="0"/>
           </a:p>
@@ -5091,7 +5595,7 @@
           <a:p>
             <a:fld id="{5E75A0DC-66C6-4CEC-A5EB-F8C97CEC3796}" type="datetimeFigureOut">
               <a:rPr lang="es-MX" smtClean="0"/>
-              <a:t>01/04/2022</a:t>
+              <a:t>15/04/2022</a:t>
             </a:fld>
             <a:endParaRPr lang="es-MX" dirty="0"/>
           </a:p>
@@ -5186,7 +5690,7 @@
           <a:p>
             <a:fld id="{5E75A0DC-66C6-4CEC-A5EB-F8C97CEC3796}" type="datetimeFigureOut">
               <a:rPr lang="es-MX" smtClean="0"/>
-              <a:t>01/04/2022</a:t>
+              <a:t>15/04/2022</a:t>
             </a:fld>
             <a:endParaRPr lang="es-MX" dirty="0"/>
           </a:p>
@@ -5463,7 +5967,7 @@
           <a:p>
             <a:fld id="{5E75A0DC-66C6-4CEC-A5EB-F8C97CEC3796}" type="datetimeFigureOut">
               <a:rPr lang="es-MX" smtClean="0"/>
-              <a:t>01/04/2022</a:t>
+              <a:t>15/04/2022</a:t>
             </a:fld>
             <a:endParaRPr lang="es-MX" dirty="0"/>
           </a:p>
@@ -5716,7 +6220,7 @@
           <a:p>
             <a:fld id="{5E75A0DC-66C6-4CEC-A5EB-F8C97CEC3796}" type="datetimeFigureOut">
               <a:rPr lang="es-MX" smtClean="0"/>
-              <a:t>01/04/2022</a:t>
+              <a:t>15/04/2022</a:t>
             </a:fld>
             <a:endParaRPr lang="es-MX" dirty="0"/>
           </a:p>
@@ -5929,7 +6433,7 @@
           <a:p>
             <a:fld id="{5E75A0DC-66C6-4CEC-A5EB-F8C97CEC3796}" type="datetimeFigureOut">
               <a:rPr lang="es-MX" smtClean="0"/>
-              <a:t>01/04/2022</a:t>
+              <a:t>15/04/2022</a:t>
             </a:fld>
             <a:endParaRPr lang="es-MX" dirty="0"/>
           </a:p>
@@ -6551,7 +7055,7 @@
           <a:graphicData uri="http://schemas.openxmlformats.org/presentationml/2006/ole">
             <mc:AlternateContent xmlns:mc="http://schemas.openxmlformats.org/markup-compatibility/2006">
               <mc:Choice xmlns:v="urn:schemas-microsoft-com:vml" Requires="v">
-                <p:oleObj spid="_x0000_s29806" name="Imagen" r:id="rId3" imgW="3676650" imgH="1965325" progId="MS_ClipArt_Gallery.2">
+                <p:oleObj spid="_x0000_s29818" name="Imagen" r:id="rId3" imgW="3676650" imgH="1965325" progId="MS_ClipArt_Gallery.2">
                   <p:embed/>
                 </p:oleObj>
               </mc:Choice>
@@ -6718,7 +7222,7 @@
           <a:graphicData uri="http://schemas.openxmlformats.org/presentationml/2006/ole">
             <mc:AlternateContent xmlns:mc="http://schemas.openxmlformats.org/markup-compatibility/2006">
               <mc:Choice xmlns:v="urn:schemas-microsoft-com:vml" Requires="v">
-                <p:oleObj spid="_x0000_s29807" name="Imagen" r:id="rId5" imgW="2012950" imgH="977900" progId="MS_ClipArt_Gallery.2">
+                <p:oleObj spid="_x0000_s29819" name="Imagen" r:id="rId5" imgW="2012950" imgH="977900" progId="MS_ClipArt_Gallery.2">
                   <p:embed/>
                 </p:oleObj>
               </mc:Choice>
@@ -6872,7 +7376,7 @@
           <a:graphicData uri="http://schemas.openxmlformats.org/presentationml/2006/ole">
             <mc:AlternateContent xmlns:mc="http://schemas.openxmlformats.org/markup-compatibility/2006">
               <mc:Choice xmlns:v="urn:schemas-microsoft-com:vml" Requires="v">
-                <p:oleObj spid="_x0000_s29808" name="Imagen" r:id="rId7" imgW="1912938" imgH="1168400" progId="MS_ClipArt_Gallery.2">
+                <p:oleObj spid="_x0000_s29820" name="Imagen" r:id="rId7" imgW="1912938" imgH="1168400" progId="MS_ClipArt_Gallery.2">
                   <p:embed/>
                 </p:oleObj>
               </mc:Choice>
@@ -6965,7 +7469,7 @@
           <a:graphicData uri="http://schemas.openxmlformats.org/presentationml/2006/ole">
             <mc:AlternateContent xmlns:mc="http://schemas.openxmlformats.org/markup-compatibility/2006">
               <mc:Choice xmlns:v="urn:schemas-microsoft-com:vml" Requires="v">
-                <p:oleObj spid="_x0000_s29809" name="Imagen" r:id="rId9" imgW="2697163" imgH="2465388" progId="MS_ClipArt_Gallery.2">
+                <p:oleObj spid="_x0000_s29821" name="Imagen" r:id="rId9" imgW="2697163" imgH="2465388" progId="MS_ClipArt_Gallery.2">
                   <p:embed/>
                 </p:oleObj>
               </mc:Choice>
@@ -14640,6 +15144,1180 @@
     <p:extLst>
       <p:ext uri="{BB962C8B-B14F-4D97-AF65-F5344CB8AC3E}">
         <p14:creationId xmlns:p14="http://schemas.microsoft.com/office/powerpoint/2010/main" val="1735542014"/>
+      </p:ext>
+    </p:extLst>
+  </p:cSld>
+  <p:clrMapOvr>
+    <a:masterClrMapping/>
+  </p:clrMapOvr>
+  <p:timing>
+    <p:tnLst>
+      <p:par>
+        <p:cTn id="1" dur="indefinite" restart="never" nodeType="tmRoot">
+          <p:childTnLst>
+            <p:seq concurrent="1" nextAc="seek">
+              <p:cTn id="2" dur="indefinite" nodeType="mainSeq">
+                <p:childTnLst>
+                  <p:par>
+                    <p:cTn id="3" fill="hold" nodeType="clickPar">
+                      <p:stCondLst>
+                        <p:cond delay="indefinite"/>
+                      </p:stCondLst>
+                      <p:childTnLst>
+                        <p:par>
+                          <p:cTn id="4" fill="hold" nodeType="withGroup">
+                            <p:stCondLst>
+                              <p:cond delay="0"/>
+                            </p:stCondLst>
+                            <p:childTnLst>
+                              <p:par>
+                                <p:cTn id="5" presetID="4" presetClass="entr" presetSubtype="16" fill="hold" grpId="0" nodeType="clickEffect">
+                                  <p:stCondLst>
+                                    <p:cond delay="0"/>
+                                  </p:stCondLst>
+                                  <p:childTnLst>
+                                    <p:set>
+                                      <p:cBhvr>
+                                        <p:cTn id="6" dur="1" fill="hold">
+                                          <p:stCondLst>
+                                            <p:cond delay="0"/>
+                                          </p:stCondLst>
+                                        </p:cTn>
+                                        <p:tgtEl>
+                                          <p:spTgt spid="19461"/>
+                                        </p:tgtEl>
+                                        <p:attrNameLst>
+                                          <p:attrName>style.visibility</p:attrName>
+                                        </p:attrNameLst>
+                                      </p:cBhvr>
+                                      <p:to>
+                                        <p:strVal val="visible"/>
+                                      </p:to>
+                                    </p:set>
+                                    <p:animEffect transition="in" filter="box(in)">
+                                      <p:cBhvr>
+                                        <p:cTn id="7" dur="500"/>
+                                        <p:tgtEl>
+                                          <p:spTgt spid="19461"/>
+                                        </p:tgtEl>
+                                      </p:cBhvr>
+                                    </p:animEffect>
+                                  </p:childTnLst>
+                                </p:cTn>
+                              </p:par>
+                            </p:childTnLst>
+                          </p:cTn>
+                        </p:par>
+                      </p:childTnLst>
+                    </p:cTn>
+                  </p:par>
+                </p:childTnLst>
+              </p:cTn>
+              <p:prevCondLst>
+                <p:cond evt="onPrev" delay="0">
+                  <p:tgtEl>
+                    <p:sldTgt/>
+                  </p:tgtEl>
+                </p:cond>
+              </p:prevCondLst>
+              <p:nextCondLst>
+                <p:cond evt="onNext" delay="0">
+                  <p:tgtEl>
+                    <p:sldTgt/>
+                  </p:tgtEl>
+                </p:cond>
+              </p:nextCondLst>
+            </p:seq>
+          </p:childTnLst>
+        </p:cTn>
+      </p:par>
+    </p:tnLst>
+    <p:bldLst>
+      <p:bldP spid="19461" grpId="0"/>
+    </p:bldLst>
+  </p:timing>
+</p:sld>
+</file>
+
+<file path=ppt/slides/slide18.xml><?xml version="1.0" encoding="utf-8"?>
+<p:sld xmlns:a="http://schemas.openxmlformats.org/drawingml/2006/main" xmlns:r="http://schemas.openxmlformats.org/officeDocument/2006/relationships" xmlns:p="http://schemas.openxmlformats.org/presentationml/2006/main">
+  <p:cSld>
+    <p:spTree>
+      <p:nvGrpSpPr>
+        <p:cNvPr id="1" name=""/>
+        <p:cNvGrpSpPr/>
+        <p:nvPr/>
+      </p:nvGrpSpPr>
+      <p:grpSpPr>
+        <a:xfrm>
+          <a:off x="0" y="0"/>
+          <a:ext cx="0" cy="0"/>
+          <a:chOff x="0" y="0"/>
+          <a:chExt cx="0" cy="0"/>
+        </a:xfrm>
+      </p:grpSpPr>
+      <p:sp>
+        <p:nvSpPr>
+          <p:cNvPr id="19461" name="10 CuadroTexto"/>
+          <p:cNvSpPr txBox="1">
+            <a:spLocks noChangeArrowheads="1"/>
+          </p:cNvSpPr>
+          <p:nvPr/>
+        </p:nvSpPr>
+        <p:spPr bwMode="auto">
+          <a:xfrm>
+            <a:off x="539552" y="836712"/>
+            <a:ext cx="8064896" cy="792781"/>
+          </a:xfrm>
+          <a:prstGeom prst="rect">
+            <a:avLst/>
+          </a:prstGeom>
+          <a:noFill/>
+          <a:ln>
+            <a:noFill/>
+          </a:ln>
+          <a:extLst>
+            <a:ext uri="{909E8E84-426E-40DD-AFC4-6F175D3DCCD1}">
+              <a14:hiddenFill xmlns:a14="http://schemas.microsoft.com/office/drawing/2010/main">
+                <a:solidFill>
+                  <a:srgbClr val="FFFFFF"/>
+                </a:solidFill>
+              </a14:hiddenFill>
+            </a:ext>
+            <a:ext uri="{91240B29-F687-4F45-9708-019B960494DF}">
+              <a14:hiddenLine xmlns:a14="http://schemas.microsoft.com/office/drawing/2010/main" w="9525">
+                <a:solidFill>
+                  <a:srgbClr val="000000"/>
+                </a:solidFill>
+                <a:miter lim="800000"/>
+                <a:headEnd/>
+                <a:tailEnd/>
+              </a14:hiddenLine>
+            </a:ext>
+          </a:extLst>
+        </p:spPr>
+        <p:txBody>
+          <a:bodyPr wrap="square">
+            <a:spAutoFit/>
+          </a:bodyPr>
+          <a:lstStyle>
+            <a:lvl1pPr eaLnBrk="0" hangingPunct="0">
+              <a:defRPr sz="2400">
+                <a:solidFill>
+                  <a:schemeClr val="tx1"/>
+                </a:solidFill>
+                <a:latin typeface="Times New Roman" pitchFamily="18" charset="0"/>
+              </a:defRPr>
+            </a:lvl1pPr>
+            <a:lvl2pPr marL="742950" indent="-285750" eaLnBrk="0" hangingPunct="0">
+              <a:defRPr sz="2400">
+                <a:solidFill>
+                  <a:schemeClr val="tx1"/>
+                </a:solidFill>
+                <a:latin typeface="Times New Roman" pitchFamily="18" charset="0"/>
+              </a:defRPr>
+            </a:lvl2pPr>
+            <a:lvl3pPr marL="1143000" indent="-228600" eaLnBrk="0" hangingPunct="0">
+              <a:defRPr sz="2400">
+                <a:solidFill>
+                  <a:schemeClr val="tx1"/>
+                </a:solidFill>
+                <a:latin typeface="Times New Roman" pitchFamily="18" charset="0"/>
+              </a:defRPr>
+            </a:lvl3pPr>
+            <a:lvl4pPr marL="1600200" indent="-228600" eaLnBrk="0" hangingPunct="0">
+              <a:defRPr sz="2400">
+                <a:solidFill>
+                  <a:schemeClr val="tx1"/>
+                </a:solidFill>
+                <a:latin typeface="Times New Roman" pitchFamily="18" charset="0"/>
+              </a:defRPr>
+            </a:lvl4pPr>
+            <a:lvl5pPr marL="2057400" indent="-228600" eaLnBrk="0" hangingPunct="0">
+              <a:defRPr sz="2400">
+                <a:solidFill>
+                  <a:schemeClr val="tx1"/>
+                </a:solidFill>
+                <a:latin typeface="Times New Roman" pitchFamily="18" charset="0"/>
+              </a:defRPr>
+            </a:lvl5pPr>
+            <a:lvl6pPr marL="2514600" indent="-228600" eaLnBrk="0" fontAlgn="base" hangingPunct="0">
+              <a:spcBef>
+                <a:spcPct val="0"/>
+              </a:spcBef>
+              <a:spcAft>
+                <a:spcPct val="0"/>
+              </a:spcAft>
+              <a:defRPr sz="2400">
+                <a:solidFill>
+                  <a:schemeClr val="tx1"/>
+                </a:solidFill>
+                <a:latin typeface="Times New Roman" pitchFamily="18" charset="0"/>
+              </a:defRPr>
+            </a:lvl6pPr>
+            <a:lvl7pPr marL="2971800" indent="-228600" eaLnBrk="0" fontAlgn="base" hangingPunct="0">
+              <a:spcBef>
+                <a:spcPct val="0"/>
+              </a:spcBef>
+              <a:spcAft>
+                <a:spcPct val="0"/>
+              </a:spcAft>
+              <a:defRPr sz="2400">
+                <a:solidFill>
+                  <a:schemeClr val="tx1"/>
+                </a:solidFill>
+                <a:latin typeface="Times New Roman" pitchFamily="18" charset="0"/>
+              </a:defRPr>
+            </a:lvl7pPr>
+            <a:lvl8pPr marL="3429000" indent="-228600" eaLnBrk="0" fontAlgn="base" hangingPunct="0">
+              <a:spcBef>
+                <a:spcPct val="0"/>
+              </a:spcBef>
+              <a:spcAft>
+                <a:spcPct val="0"/>
+              </a:spcAft>
+              <a:defRPr sz="2400">
+                <a:solidFill>
+                  <a:schemeClr val="tx1"/>
+                </a:solidFill>
+                <a:latin typeface="Times New Roman" pitchFamily="18" charset="0"/>
+              </a:defRPr>
+            </a:lvl8pPr>
+            <a:lvl9pPr marL="3886200" indent="-228600" eaLnBrk="0" fontAlgn="base" hangingPunct="0">
+              <a:spcBef>
+                <a:spcPct val="0"/>
+              </a:spcBef>
+              <a:spcAft>
+                <a:spcPct val="0"/>
+              </a:spcAft>
+              <a:defRPr sz="2400">
+                <a:solidFill>
+                  <a:schemeClr val="tx1"/>
+                </a:solidFill>
+                <a:latin typeface="Times New Roman" pitchFamily="18" charset="0"/>
+              </a:defRPr>
+            </a:lvl9pPr>
+          </a:lstStyle>
+          <a:p>
+            <a:pPr algn="ctr" eaLnBrk="1" hangingPunct="1">
+              <a:lnSpc>
+                <a:spcPct val="150000"/>
+              </a:lnSpc>
+            </a:pPr>
+            <a:r>
+              <a:rPr lang="es-ES" sz="1600" b="1" dirty="0">
+                <a:solidFill>
+                  <a:schemeClr val="accent5">
+                    <a:lumMod val="75000"/>
+                  </a:schemeClr>
+                </a:solidFill>
+                <a:latin typeface="ZapfHumnst BT"/>
+              </a:rPr>
+              <a:t>El test de velocidad utiliza un algoritmo único que permite medir con precisión la velocidad de subida y de bajada y la latencia (ping) de tu conexión a Internet.</a:t>
+            </a:r>
+          </a:p>
+        </p:txBody>
+      </p:sp>
+      <p:sp>
+        <p:nvSpPr>
+          <p:cNvPr id="8" name="Rectangle 2"/>
+          <p:cNvSpPr txBox="1">
+            <a:spLocks noChangeArrowheads="1"/>
+          </p:cNvSpPr>
+          <p:nvPr/>
+        </p:nvSpPr>
+        <p:spPr>
+          <a:xfrm>
+            <a:off x="89756" y="7145"/>
+            <a:ext cx="8964488" cy="1143000"/>
+          </a:xfrm>
+          <a:prstGeom prst="rect">
+            <a:avLst/>
+          </a:prstGeom>
+        </p:spPr>
+        <p:txBody>
+          <a:bodyPr vert="horz" lIns="92075" tIns="46038" rIns="92075" bIns="46038" rtlCol="0" anchor="ctr">
+            <a:noAutofit/>
+          </a:bodyPr>
+          <a:lstStyle>
+            <a:lvl1pPr algn="ctr" defTabSz="914400" rtl="0" eaLnBrk="1" latinLnBrk="0" hangingPunct="1">
+              <a:spcBef>
+                <a:spcPct val="0"/>
+              </a:spcBef>
+              <a:buNone/>
+              <a:defRPr sz="4400" kern="1200">
+                <a:solidFill>
+                  <a:schemeClr val="tx1"/>
+                </a:solidFill>
+                <a:latin typeface="+mj-lt"/>
+                <a:ea typeface="+mj-ea"/>
+                <a:cs typeface="+mj-cs"/>
+              </a:defRPr>
+            </a:lvl1pPr>
+          </a:lstStyle>
+          <a:p>
+            <a:pPr>
+              <a:defRPr/>
+            </a:pPr>
+            <a:r>
+              <a:rPr lang="es-ES_tradnl" sz="3200" dirty="0">
+                <a:solidFill>
+                  <a:srgbClr val="3333CC"/>
+                </a:solidFill>
+                <a:effectLst>
+                  <a:outerShdw blurRad="38100" dist="38100" dir="2700000" algn="tl">
+                    <a:srgbClr val="C0C0C0"/>
+                  </a:outerShdw>
+                </a:effectLst>
+                <a:latin typeface="Dom Casual" charset="0"/>
+              </a:rPr>
+              <a:t> </a:t>
+            </a:r>
+            <a:r>
+              <a:rPr lang="es-ES_tradnl" sz="3200" b="1" dirty="0">
+                <a:solidFill>
+                  <a:schemeClr val="accent4">
+                    <a:lumMod val="50000"/>
+                  </a:schemeClr>
+                </a:solidFill>
+                <a:effectLst>
+                  <a:outerShdw blurRad="38100" dist="38100" dir="2700000" algn="tl">
+                    <a:srgbClr val="C0C0C0"/>
+                  </a:outerShdw>
+                </a:effectLst>
+                <a:latin typeface="Dom Casual" charset="0"/>
+              </a:rPr>
+              <a:t>Test de velocidad de conexión a Internet</a:t>
+            </a:r>
+          </a:p>
+        </p:txBody>
+      </p:sp>
+      <p:sp>
+        <p:nvSpPr>
+          <p:cNvPr id="5" name="CuadroTexto 4">
+            <a:extLst>
+              <a:ext uri="{FF2B5EF4-FFF2-40B4-BE49-F238E27FC236}">
+                <a16:creationId xmlns:a16="http://schemas.microsoft.com/office/drawing/2014/main" id="{29FE4E26-F158-46A5-9C83-6A8A7F6F9681}"/>
+              </a:ext>
+            </a:extLst>
+          </p:cNvPr>
+          <p:cNvSpPr txBox="1"/>
+          <p:nvPr/>
+        </p:nvSpPr>
+        <p:spPr>
+          <a:xfrm>
+            <a:off x="328807" y="1649359"/>
+            <a:ext cx="8275641" cy="3550011"/>
+          </a:xfrm>
+          <a:prstGeom prst="rect">
+            <a:avLst/>
+          </a:prstGeom>
+          <a:noFill/>
+        </p:spPr>
+        <p:txBody>
+          <a:bodyPr wrap="square">
+            <a:spAutoFit/>
+          </a:bodyPr>
+          <a:lstStyle/>
+          <a:p>
+            <a:pPr algn="just">
+              <a:lnSpc>
+                <a:spcPct val="107000"/>
+              </a:lnSpc>
+              <a:spcAft>
+                <a:spcPts val="800"/>
+              </a:spcAft>
+            </a:pPr>
+            <a:r>
+              <a:rPr lang="es-MX" sz="1600" b="1" dirty="0">
+                <a:solidFill>
+                  <a:schemeClr val="accent6">
+                    <a:lumMod val="75000"/>
+                  </a:schemeClr>
+                </a:solidFill>
+                <a:effectLst/>
+                <a:latin typeface="Calibri" panose="020F0502020204030204" pitchFamily="34" charset="0"/>
+                <a:ea typeface="Calibri" panose="020F0502020204030204" pitchFamily="34" charset="0"/>
+                <a:cs typeface="Times New Roman" panose="02020603050405020304" pitchFamily="18" charset="0"/>
+              </a:rPr>
+              <a:t>Velocidad de descarga:</a:t>
+            </a:r>
+            <a:r>
+              <a:rPr lang="es-MX" sz="1600" dirty="0">
+                <a:solidFill>
+                  <a:schemeClr val="accent6">
+                    <a:lumMod val="75000"/>
+                  </a:schemeClr>
+                </a:solidFill>
+                <a:effectLst/>
+                <a:latin typeface="Calibri" panose="020F0502020204030204" pitchFamily="34" charset="0"/>
+                <a:ea typeface="Calibri" panose="020F0502020204030204" pitchFamily="34" charset="0"/>
+                <a:cs typeface="Times New Roman" panose="02020603050405020304" pitchFamily="18" charset="0"/>
+              </a:rPr>
+              <a:t> </a:t>
+            </a:r>
+            <a:r>
+              <a:rPr lang="es-MX" sz="1600" dirty="0">
+                <a:effectLst/>
+                <a:latin typeface="Calibri" panose="020F0502020204030204" pitchFamily="34" charset="0"/>
+                <a:ea typeface="Calibri" panose="020F0502020204030204" pitchFamily="34" charset="0"/>
+                <a:cs typeface="Times New Roman" panose="02020603050405020304" pitchFamily="18" charset="0"/>
+              </a:rPr>
+              <a:t>Es el tiempo que tarda un archivo en ser descargado desde un servidor externo al dispositivo que se está utilizando. Se mide la cantidad de megas que se consiguen descargar en un segundo.</a:t>
+            </a:r>
+          </a:p>
+          <a:p>
+            <a:pPr algn="just">
+              <a:lnSpc>
+                <a:spcPct val="107000"/>
+              </a:lnSpc>
+              <a:spcAft>
+                <a:spcPts val="800"/>
+              </a:spcAft>
+            </a:pPr>
+            <a:r>
+              <a:rPr lang="es-MX" sz="1600" b="1" dirty="0">
+                <a:solidFill>
+                  <a:schemeClr val="accent6">
+                    <a:lumMod val="75000"/>
+                  </a:schemeClr>
+                </a:solidFill>
+                <a:effectLst/>
+                <a:latin typeface="Calibri" panose="020F0502020204030204" pitchFamily="34" charset="0"/>
+                <a:ea typeface="Calibri" panose="020F0502020204030204" pitchFamily="34" charset="0"/>
+                <a:cs typeface="Times New Roman" panose="02020603050405020304" pitchFamily="18" charset="0"/>
+              </a:rPr>
+              <a:t>Velocidad de subida:</a:t>
+            </a:r>
+            <a:r>
+              <a:rPr lang="es-MX" sz="1600" dirty="0">
+                <a:solidFill>
+                  <a:schemeClr val="accent6">
+                    <a:lumMod val="75000"/>
+                  </a:schemeClr>
+                </a:solidFill>
+                <a:effectLst/>
+                <a:latin typeface="Calibri" panose="020F0502020204030204" pitchFamily="34" charset="0"/>
+                <a:ea typeface="Calibri" panose="020F0502020204030204" pitchFamily="34" charset="0"/>
+                <a:cs typeface="Times New Roman" panose="02020603050405020304" pitchFamily="18" charset="0"/>
+              </a:rPr>
+              <a:t> </a:t>
+            </a:r>
+            <a:r>
+              <a:rPr lang="es-MX" sz="1600" dirty="0">
+                <a:effectLst/>
+                <a:latin typeface="Calibri" panose="020F0502020204030204" pitchFamily="34" charset="0"/>
+                <a:ea typeface="Calibri" panose="020F0502020204030204" pitchFamily="34" charset="0"/>
+                <a:cs typeface="Times New Roman" panose="02020603050405020304" pitchFamily="18" charset="0"/>
+              </a:rPr>
+              <a:t>Es el tiempo que tarda un archivo en ser subido a un servidor externo. Se mide la cantidad de megas que la conexión a Internet puede subir en un segundo al servidor.</a:t>
+            </a:r>
+          </a:p>
+          <a:p>
+            <a:pPr algn="just">
+              <a:lnSpc>
+                <a:spcPct val="107000"/>
+              </a:lnSpc>
+              <a:spcAft>
+                <a:spcPts val="800"/>
+              </a:spcAft>
+            </a:pPr>
+            <a:r>
+              <a:rPr lang="es-MX" sz="1600" b="1" dirty="0">
+                <a:solidFill>
+                  <a:schemeClr val="accent6">
+                    <a:lumMod val="75000"/>
+                  </a:schemeClr>
+                </a:solidFill>
+                <a:effectLst/>
+                <a:latin typeface="Calibri" panose="020F0502020204030204" pitchFamily="34" charset="0"/>
+                <a:ea typeface="Calibri" panose="020F0502020204030204" pitchFamily="34" charset="0"/>
+                <a:cs typeface="Times New Roman" panose="02020603050405020304" pitchFamily="18" charset="0"/>
+              </a:rPr>
+              <a:t>Latencia y ping: </a:t>
+            </a:r>
+            <a:r>
+              <a:rPr lang="es-MX" sz="1600" dirty="0">
+                <a:effectLst/>
+                <a:latin typeface="Calibri" panose="020F0502020204030204" pitchFamily="34" charset="0"/>
+                <a:ea typeface="Calibri" panose="020F0502020204030204" pitchFamily="34" charset="0"/>
+                <a:cs typeface="Times New Roman" panose="02020603050405020304" pitchFamily="18" charset="0"/>
+              </a:rPr>
+              <a:t>Es el tiempo exacto que tarda un paquete de datos en transmitirse dentro de una red (del dispositivo al servidor o viceversa en este caso). La latencia se mide en pings. </a:t>
+            </a:r>
+            <a:r>
+              <a:rPr lang="es-ES" sz="1600" dirty="0">
+                <a:latin typeface="Calibri" panose="020F0502020204030204" pitchFamily="34" charset="0"/>
+                <a:cs typeface="Times New Roman" panose="02020603050405020304" pitchFamily="18" charset="0"/>
+              </a:rPr>
+              <a:t>Es el tiempo que transcurre desde que tu navegador realiza una solicitud de información y el tiempo que demora en llegar la respuesta solicitada. Mientras menor sea la latencia, mejor será la conexión a internet.</a:t>
+            </a:r>
+            <a:endParaRPr lang="es-MX" sz="1600" dirty="0">
+              <a:latin typeface="Calibri" panose="020F0502020204030204" pitchFamily="34" charset="0"/>
+              <a:cs typeface="Times New Roman" panose="02020603050405020304" pitchFamily="18" charset="0"/>
+            </a:endParaRPr>
+          </a:p>
+          <a:p>
+            <a:pPr>
+              <a:lnSpc>
+                <a:spcPct val="107000"/>
+              </a:lnSpc>
+              <a:spcAft>
+                <a:spcPts val="800"/>
+              </a:spcAft>
+            </a:pPr>
+            <a:r>
+              <a:rPr lang="es-MX" sz="1600" b="1" dirty="0">
+                <a:solidFill>
+                  <a:schemeClr val="accent6">
+                    <a:lumMod val="75000"/>
+                  </a:schemeClr>
+                </a:solidFill>
+                <a:latin typeface="Calibri" panose="020F0502020204030204" pitchFamily="34" charset="0"/>
+                <a:ea typeface="Calibri" panose="020F0502020204030204" pitchFamily="34" charset="0"/>
+                <a:cs typeface="Times New Roman" panose="02020603050405020304" pitchFamily="18" charset="0"/>
+              </a:rPr>
+              <a:t>Ping: </a:t>
+            </a:r>
+            <a:r>
+              <a:rPr lang="es-MX" sz="1600" dirty="0">
+                <a:effectLst/>
+                <a:latin typeface="Calibri" panose="020F0502020204030204" pitchFamily="34" charset="0"/>
+                <a:ea typeface="Calibri" panose="020F0502020204030204" pitchFamily="34" charset="0"/>
+                <a:cs typeface="Times New Roman" panose="02020603050405020304" pitchFamily="18" charset="0"/>
+              </a:rPr>
+              <a:t>Son los milisegundos que tardan en comunicarse entre sí el servidor y el dispositivo. Cuanto menor sea la latencia/ping mejor, ya que menos tardará en conectarse servidor y dispositivo. </a:t>
+            </a:r>
+          </a:p>
+        </p:txBody>
+      </p:sp>
+      <p:pic>
+        <p:nvPicPr>
+          <p:cNvPr id="4" name="Imagen 3" descr="Interfaz de usuario gráfica, Aplicación&#10;&#10;Descripción generada automáticamente">
+            <a:extLst>
+              <a:ext uri="{FF2B5EF4-FFF2-40B4-BE49-F238E27FC236}">
+                <a16:creationId xmlns:a16="http://schemas.microsoft.com/office/drawing/2014/main" id="{A5FA7EB3-4DCB-496B-944D-EEA900EC12B5}"/>
+              </a:ext>
+            </a:extLst>
+          </p:cNvPr>
+          <p:cNvPicPr>
+            <a:picLocks noChangeAspect="1"/>
+          </p:cNvPicPr>
+          <p:nvPr/>
+        </p:nvPicPr>
+        <p:blipFill>
+          <a:blip r:embed="rId3">
+            <a:extLst>
+              <a:ext uri="{28A0092B-C50C-407E-A947-70E740481C1C}">
+                <a14:useLocalDpi xmlns:a14="http://schemas.microsoft.com/office/drawing/2010/main" val="0"/>
+              </a:ext>
+            </a:extLst>
+          </a:blip>
+          <a:stretch>
+            <a:fillRect/>
+          </a:stretch>
+        </p:blipFill>
+        <p:spPr>
+          <a:xfrm>
+            <a:off x="2195736" y="5373216"/>
+            <a:ext cx="6308768" cy="2140007"/>
+          </a:xfrm>
+          <a:prstGeom prst="rect">
+            <a:avLst/>
+          </a:prstGeom>
+        </p:spPr>
+      </p:pic>
+    </p:spTree>
+    <p:extLst>
+      <p:ext uri="{BB962C8B-B14F-4D97-AF65-F5344CB8AC3E}">
+        <p14:creationId xmlns:p14="http://schemas.microsoft.com/office/powerpoint/2010/main" val="53450271"/>
+      </p:ext>
+    </p:extLst>
+  </p:cSld>
+  <p:clrMapOvr>
+    <a:masterClrMapping/>
+  </p:clrMapOvr>
+  <p:timing>
+    <p:tnLst>
+      <p:par>
+        <p:cTn id="1" dur="indefinite" restart="never" nodeType="tmRoot">
+          <p:childTnLst>
+            <p:seq concurrent="1" nextAc="seek">
+              <p:cTn id="2" dur="indefinite" nodeType="mainSeq">
+                <p:childTnLst>
+                  <p:par>
+                    <p:cTn id="3" fill="hold" nodeType="clickPar">
+                      <p:stCondLst>
+                        <p:cond delay="indefinite"/>
+                      </p:stCondLst>
+                      <p:childTnLst>
+                        <p:par>
+                          <p:cTn id="4" fill="hold" nodeType="withGroup">
+                            <p:stCondLst>
+                              <p:cond delay="0"/>
+                            </p:stCondLst>
+                            <p:childTnLst>
+                              <p:par>
+                                <p:cTn id="5" presetID="4" presetClass="entr" presetSubtype="16" fill="hold" grpId="0" nodeType="clickEffect">
+                                  <p:stCondLst>
+                                    <p:cond delay="0"/>
+                                  </p:stCondLst>
+                                  <p:childTnLst>
+                                    <p:set>
+                                      <p:cBhvr>
+                                        <p:cTn id="6" dur="1" fill="hold">
+                                          <p:stCondLst>
+                                            <p:cond delay="0"/>
+                                          </p:stCondLst>
+                                        </p:cTn>
+                                        <p:tgtEl>
+                                          <p:spTgt spid="19461"/>
+                                        </p:tgtEl>
+                                        <p:attrNameLst>
+                                          <p:attrName>style.visibility</p:attrName>
+                                        </p:attrNameLst>
+                                      </p:cBhvr>
+                                      <p:to>
+                                        <p:strVal val="visible"/>
+                                      </p:to>
+                                    </p:set>
+                                    <p:animEffect transition="in" filter="box(in)">
+                                      <p:cBhvr>
+                                        <p:cTn id="7" dur="500"/>
+                                        <p:tgtEl>
+                                          <p:spTgt spid="19461"/>
+                                        </p:tgtEl>
+                                      </p:cBhvr>
+                                    </p:animEffect>
+                                  </p:childTnLst>
+                                </p:cTn>
+                              </p:par>
+                            </p:childTnLst>
+                          </p:cTn>
+                        </p:par>
+                      </p:childTnLst>
+                    </p:cTn>
+                  </p:par>
+                </p:childTnLst>
+              </p:cTn>
+              <p:prevCondLst>
+                <p:cond evt="onPrev" delay="0">
+                  <p:tgtEl>
+                    <p:sldTgt/>
+                  </p:tgtEl>
+                </p:cond>
+              </p:prevCondLst>
+              <p:nextCondLst>
+                <p:cond evt="onNext" delay="0">
+                  <p:tgtEl>
+                    <p:sldTgt/>
+                  </p:tgtEl>
+                </p:cond>
+              </p:nextCondLst>
+            </p:seq>
+          </p:childTnLst>
+        </p:cTn>
+      </p:par>
+    </p:tnLst>
+    <p:bldLst>
+      <p:bldP spid="19461" grpId="0"/>
+    </p:bldLst>
+  </p:timing>
+</p:sld>
+</file>
+
+<file path=ppt/slides/slide19.xml><?xml version="1.0" encoding="utf-8"?>
+<p:sld xmlns:a="http://schemas.openxmlformats.org/drawingml/2006/main" xmlns:r="http://schemas.openxmlformats.org/officeDocument/2006/relationships" xmlns:p="http://schemas.openxmlformats.org/presentationml/2006/main">
+  <p:cSld>
+    <p:spTree>
+      <p:nvGrpSpPr>
+        <p:cNvPr id="1" name=""/>
+        <p:cNvGrpSpPr/>
+        <p:nvPr/>
+      </p:nvGrpSpPr>
+      <p:grpSpPr>
+        <a:xfrm>
+          <a:off x="0" y="0"/>
+          <a:ext cx="0" cy="0"/>
+          <a:chOff x="0" y="0"/>
+          <a:chExt cx="0" cy="0"/>
+        </a:xfrm>
+      </p:grpSpPr>
+      <p:sp>
+        <p:nvSpPr>
+          <p:cNvPr id="19461" name="10 CuadroTexto"/>
+          <p:cNvSpPr txBox="1">
+            <a:spLocks noChangeArrowheads="1"/>
+          </p:cNvSpPr>
+          <p:nvPr/>
+        </p:nvSpPr>
+        <p:spPr bwMode="auto">
+          <a:xfrm>
+            <a:off x="539552" y="836712"/>
+            <a:ext cx="8064896" cy="792781"/>
+          </a:xfrm>
+          <a:prstGeom prst="rect">
+            <a:avLst/>
+          </a:prstGeom>
+          <a:noFill/>
+          <a:ln>
+            <a:noFill/>
+          </a:ln>
+          <a:extLst>
+            <a:ext uri="{909E8E84-426E-40DD-AFC4-6F175D3DCCD1}">
+              <a14:hiddenFill xmlns:a14="http://schemas.microsoft.com/office/drawing/2010/main">
+                <a:solidFill>
+                  <a:srgbClr val="FFFFFF"/>
+                </a:solidFill>
+              </a14:hiddenFill>
+            </a:ext>
+            <a:ext uri="{91240B29-F687-4F45-9708-019B960494DF}">
+              <a14:hiddenLine xmlns:a14="http://schemas.microsoft.com/office/drawing/2010/main" w="9525">
+                <a:solidFill>
+                  <a:srgbClr val="000000"/>
+                </a:solidFill>
+                <a:miter lim="800000"/>
+                <a:headEnd/>
+                <a:tailEnd/>
+              </a14:hiddenLine>
+            </a:ext>
+          </a:extLst>
+        </p:spPr>
+        <p:txBody>
+          <a:bodyPr wrap="square">
+            <a:spAutoFit/>
+          </a:bodyPr>
+          <a:lstStyle>
+            <a:lvl1pPr eaLnBrk="0" hangingPunct="0">
+              <a:defRPr sz="2400">
+                <a:solidFill>
+                  <a:schemeClr val="tx1"/>
+                </a:solidFill>
+                <a:latin typeface="Times New Roman" pitchFamily="18" charset="0"/>
+              </a:defRPr>
+            </a:lvl1pPr>
+            <a:lvl2pPr marL="742950" indent="-285750" eaLnBrk="0" hangingPunct="0">
+              <a:defRPr sz="2400">
+                <a:solidFill>
+                  <a:schemeClr val="tx1"/>
+                </a:solidFill>
+                <a:latin typeface="Times New Roman" pitchFamily="18" charset="0"/>
+              </a:defRPr>
+            </a:lvl2pPr>
+            <a:lvl3pPr marL="1143000" indent="-228600" eaLnBrk="0" hangingPunct="0">
+              <a:defRPr sz="2400">
+                <a:solidFill>
+                  <a:schemeClr val="tx1"/>
+                </a:solidFill>
+                <a:latin typeface="Times New Roman" pitchFamily="18" charset="0"/>
+              </a:defRPr>
+            </a:lvl3pPr>
+            <a:lvl4pPr marL="1600200" indent="-228600" eaLnBrk="0" hangingPunct="0">
+              <a:defRPr sz="2400">
+                <a:solidFill>
+                  <a:schemeClr val="tx1"/>
+                </a:solidFill>
+                <a:latin typeface="Times New Roman" pitchFamily="18" charset="0"/>
+              </a:defRPr>
+            </a:lvl4pPr>
+            <a:lvl5pPr marL="2057400" indent="-228600" eaLnBrk="0" hangingPunct="0">
+              <a:defRPr sz="2400">
+                <a:solidFill>
+                  <a:schemeClr val="tx1"/>
+                </a:solidFill>
+                <a:latin typeface="Times New Roman" pitchFamily="18" charset="0"/>
+              </a:defRPr>
+            </a:lvl5pPr>
+            <a:lvl6pPr marL="2514600" indent="-228600" eaLnBrk="0" fontAlgn="base" hangingPunct="0">
+              <a:spcBef>
+                <a:spcPct val="0"/>
+              </a:spcBef>
+              <a:spcAft>
+                <a:spcPct val="0"/>
+              </a:spcAft>
+              <a:defRPr sz="2400">
+                <a:solidFill>
+                  <a:schemeClr val="tx1"/>
+                </a:solidFill>
+                <a:latin typeface="Times New Roman" pitchFamily="18" charset="0"/>
+              </a:defRPr>
+            </a:lvl6pPr>
+            <a:lvl7pPr marL="2971800" indent="-228600" eaLnBrk="0" fontAlgn="base" hangingPunct="0">
+              <a:spcBef>
+                <a:spcPct val="0"/>
+              </a:spcBef>
+              <a:spcAft>
+                <a:spcPct val="0"/>
+              </a:spcAft>
+              <a:defRPr sz="2400">
+                <a:solidFill>
+                  <a:schemeClr val="tx1"/>
+                </a:solidFill>
+                <a:latin typeface="Times New Roman" pitchFamily="18" charset="0"/>
+              </a:defRPr>
+            </a:lvl7pPr>
+            <a:lvl8pPr marL="3429000" indent="-228600" eaLnBrk="0" fontAlgn="base" hangingPunct="0">
+              <a:spcBef>
+                <a:spcPct val="0"/>
+              </a:spcBef>
+              <a:spcAft>
+                <a:spcPct val="0"/>
+              </a:spcAft>
+              <a:defRPr sz="2400">
+                <a:solidFill>
+                  <a:schemeClr val="tx1"/>
+                </a:solidFill>
+                <a:latin typeface="Times New Roman" pitchFamily="18" charset="0"/>
+              </a:defRPr>
+            </a:lvl8pPr>
+            <a:lvl9pPr marL="3886200" indent="-228600" eaLnBrk="0" fontAlgn="base" hangingPunct="0">
+              <a:spcBef>
+                <a:spcPct val="0"/>
+              </a:spcBef>
+              <a:spcAft>
+                <a:spcPct val="0"/>
+              </a:spcAft>
+              <a:defRPr sz="2400">
+                <a:solidFill>
+                  <a:schemeClr val="tx1"/>
+                </a:solidFill>
+                <a:latin typeface="Times New Roman" pitchFamily="18" charset="0"/>
+              </a:defRPr>
+            </a:lvl9pPr>
+          </a:lstStyle>
+          <a:p>
+            <a:pPr algn="ctr" eaLnBrk="1" hangingPunct="1">
+              <a:lnSpc>
+                <a:spcPct val="150000"/>
+              </a:lnSpc>
+            </a:pPr>
+            <a:r>
+              <a:rPr lang="es-ES" sz="1600" b="1" dirty="0">
+                <a:solidFill>
+                  <a:schemeClr val="accent5">
+                    <a:lumMod val="75000"/>
+                  </a:schemeClr>
+                </a:solidFill>
+                <a:latin typeface="ZapfHumnst BT"/>
+              </a:rPr>
+              <a:t>El test de velocidad utiliza un algoritmo único que permite medir con precisión la velocidad de subida y de bajada y la latencia (ping) de tu conexión a Internet.</a:t>
+            </a:r>
+          </a:p>
+        </p:txBody>
+      </p:sp>
+      <p:sp>
+        <p:nvSpPr>
+          <p:cNvPr id="8" name="Rectangle 2"/>
+          <p:cNvSpPr txBox="1">
+            <a:spLocks noChangeArrowheads="1"/>
+          </p:cNvSpPr>
+          <p:nvPr/>
+        </p:nvSpPr>
+        <p:spPr>
+          <a:xfrm>
+            <a:off x="89756" y="7145"/>
+            <a:ext cx="8964488" cy="1143000"/>
+          </a:xfrm>
+          <a:prstGeom prst="rect">
+            <a:avLst/>
+          </a:prstGeom>
+        </p:spPr>
+        <p:txBody>
+          <a:bodyPr vert="horz" lIns="92075" tIns="46038" rIns="92075" bIns="46038" rtlCol="0" anchor="ctr">
+            <a:noAutofit/>
+          </a:bodyPr>
+          <a:lstStyle>
+            <a:lvl1pPr algn="ctr" defTabSz="914400" rtl="0" eaLnBrk="1" latinLnBrk="0" hangingPunct="1">
+              <a:spcBef>
+                <a:spcPct val="0"/>
+              </a:spcBef>
+              <a:buNone/>
+              <a:defRPr sz="4400" kern="1200">
+                <a:solidFill>
+                  <a:schemeClr val="tx1"/>
+                </a:solidFill>
+                <a:latin typeface="+mj-lt"/>
+                <a:ea typeface="+mj-ea"/>
+                <a:cs typeface="+mj-cs"/>
+              </a:defRPr>
+            </a:lvl1pPr>
+          </a:lstStyle>
+          <a:p>
+            <a:pPr>
+              <a:defRPr/>
+            </a:pPr>
+            <a:r>
+              <a:rPr lang="es-ES_tradnl" sz="3200" dirty="0">
+                <a:solidFill>
+                  <a:srgbClr val="3333CC"/>
+                </a:solidFill>
+                <a:effectLst>
+                  <a:outerShdw blurRad="38100" dist="38100" dir="2700000" algn="tl">
+                    <a:srgbClr val="C0C0C0"/>
+                  </a:outerShdw>
+                </a:effectLst>
+                <a:latin typeface="Dom Casual" charset="0"/>
+              </a:rPr>
+              <a:t> </a:t>
+            </a:r>
+            <a:r>
+              <a:rPr lang="es-ES_tradnl" sz="3200" b="1" dirty="0">
+                <a:solidFill>
+                  <a:schemeClr val="accent4">
+                    <a:lumMod val="50000"/>
+                  </a:schemeClr>
+                </a:solidFill>
+                <a:effectLst>
+                  <a:outerShdw blurRad="38100" dist="38100" dir="2700000" algn="tl">
+                    <a:srgbClr val="C0C0C0"/>
+                  </a:outerShdw>
+                </a:effectLst>
+                <a:latin typeface="Dom Casual" charset="0"/>
+              </a:rPr>
+              <a:t>Test de velocidad</a:t>
+            </a:r>
+          </a:p>
+        </p:txBody>
+      </p:sp>
+      <p:sp>
+        <p:nvSpPr>
+          <p:cNvPr id="5" name="CuadroTexto 4">
+            <a:extLst>
+              <a:ext uri="{FF2B5EF4-FFF2-40B4-BE49-F238E27FC236}">
+                <a16:creationId xmlns:a16="http://schemas.microsoft.com/office/drawing/2014/main" id="{29FE4E26-F158-46A5-9C83-6A8A7F6F9681}"/>
+              </a:ext>
+            </a:extLst>
+          </p:cNvPr>
+          <p:cNvSpPr txBox="1"/>
+          <p:nvPr/>
+        </p:nvSpPr>
+        <p:spPr>
+          <a:xfrm>
+            <a:off x="328807" y="1649359"/>
+            <a:ext cx="8275641" cy="3550011"/>
+          </a:xfrm>
+          <a:prstGeom prst="rect">
+            <a:avLst/>
+          </a:prstGeom>
+          <a:noFill/>
+        </p:spPr>
+        <p:txBody>
+          <a:bodyPr wrap="square">
+            <a:spAutoFit/>
+          </a:bodyPr>
+          <a:lstStyle/>
+          <a:p>
+            <a:pPr algn="just">
+              <a:lnSpc>
+                <a:spcPct val="107000"/>
+              </a:lnSpc>
+              <a:spcAft>
+                <a:spcPts val="800"/>
+              </a:spcAft>
+            </a:pPr>
+            <a:r>
+              <a:rPr lang="es-MX" sz="1600" b="1" dirty="0">
+                <a:solidFill>
+                  <a:schemeClr val="accent6">
+                    <a:lumMod val="75000"/>
+                  </a:schemeClr>
+                </a:solidFill>
+                <a:effectLst/>
+                <a:latin typeface="Calibri" panose="020F0502020204030204" pitchFamily="34" charset="0"/>
+                <a:ea typeface="Calibri" panose="020F0502020204030204" pitchFamily="34" charset="0"/>
+                <a:cs typeface="Times New Roman" panose="02020603050405020304" pitchFamily="18" charset="0"/>
+              </a:rPr>
+              <a:t>Velocidad de descarga:</a:t>
+            </a:r>
+            <a:r>
+              <a:rPr lang="es-MX" sz="1600" dirty="0">
+                <a:solidFill>
+                  <a:schemeClr val="accent6">
+                    <a:lumMod val="75000"/>
+                  </a:schemeClr>
+                </a:solidFill>
+                <a:effectLst/>
+                <a:latin typeface="Calibri" panose="020F0502020204030204" pitchFamily="34" charset="0"/>
+                <a:ea typeface="Calibri" panose="020F0502020204030204" pitchFamily="34" charset="0"/>
+                <a:cs typeface="Times New Roman" panose="02020603050405020304" pitchFamily="18" charset="0"/>
+              </a:rPr>
+              <a:t> </a:t>
+            </a:r>
+            <a:r>
+              <a:rPr lang="es-MX" sz="1600" dirty="0">
+                <a:effectLst/>
+                <a:latin typeface="Calibri" panose="020F0502020204030204" pitchFamily="34" charset="0"/>
+                <a:ea typeface="Calibri" panose="020F0502020204030204" pitchFamily="34" charset="0"/>
+                <a:cs typeface="Times New Roman" panose="02020603050405020304" pitchFamily="18" charset="0"/>
+              </a:rPr>
+              <a:t>Es el tiempo que tarda un archivo en ser descargado desde un servidor externo al dispositivo que se está utilizando. Se mide la cantidad de megas que se consiguen descargar en un segundo.</a:t>
+            </a:r>
+          </a:p>
+          <a:p>
+            <a:pPr algn="just">
+              <a:lnSpc>
+                <a:spcPct val="107000"/>
+              </a:lnSpc>
+              <a:spcAft>
+                <a:spcPts val="800"/>
+              </a:spcAft>
+            </a:pPr>
+            <a:r>
+              <a:rPr lang="es-MX" sz="1600" b="1" dirty="0">
+                <a:solidFill>
+                  <a:schemeClr val="accent6">
+                    <a:lumMod val="75000"/>
+                  </a:schemeClr>
+                </a:solidFill>
+                <a:effectLst/>
+                <a:latin typeface="Calibri" panose="020F0502020204030204" pitchFamily="34" charset="0"/>
+                <a:ea typeface="Calibri" panose="020F0502020204030204" pitchFamily="34" charset="0"/>
+                <a:cs typeface="Times New Roman" panose="02020603050405020304" pitchFamily="18" charset="0"/>
+              </a:rPr>
+              <a:t>Velocidad de subida:</a:t>
+            </a:r>
+            <a:r>
+              <a:rPr lang="es-MX" sz="1600" dirty="0">
+                <a:solidFill>
+                  <a:schemeClr val="accent6">
+                    <a:lumMod val="75000"/>
+                  </a:schemeClr>
+                </a:solidFill>
+                <a:effectLst/>
+                <a:latin typeface="Calibri" panose="020F0502020204030204" pitchFamily="34" charset="0"/>
+                <a:ea typeface="Calibri" panose="020F0502020204030204" pitchFamily="34" charset="0"/>
+                <a:cs typeface="Times New Roman" panose="02020603050405020304" pitchFamily="18" charset="0"/>
+              </a:rPr>
+              <a:t> </a:t>
+            </a:r>
+            <a:r>
+              <a:rPr lang="es-MX" sz="1600" dirty="0">
+                <a:effectLst/>
+                <a:latin typeface="Calibri" panose="020F0502020204030204" pitchFamily="34" charset="0"/>
+                <a:ea typeface="Calibri" panose="020F0502020204030204" pitchFamily="34" charset="0"/>
+                <a:cs typeface="Times New Roman" panose="02020603050405020304" pitchFamily="18" charset="0"/>
+              </a:rPr>
+              <a:t>Es el tiempo que tarda un archivo en ser subido a un servidor externo. Se mide la cantidad de megas que la conexión a Internet puede subir en un segundo al servidor.</a:t>
+            </a:r>
+          </a:p>
+          <a:p>
+            <a:pPr algn="just">
+              <a:lnSpc>
+                <a:spcPct val="107000"/>
+              </a:lnSpc>
+              <a:spcAft>
+                <a:spcPts val="800"/>
+              </a:spcAft>
+            </a:pPr>
+            <a:r>
+              <a:rPr lang="es-MX" sz="1600" b="1" dirty="0">
+                <a:solidFill>
+                  <a:schemeClr val="accent6">
+                    <a:lumMod val="75000"/>
+                  </a:schemeClr>
+                </a:solidFill>
+                <a:effectLst/>
+                <a:latin typeface="Calibri" panose="020F0502020204030204" pitchFamily="34" charset="0"/>
+                <a:ea typeface="Calibri" panose="020F0502020204030204" pitchFamily="34" charset="0"/>
+                <a:cs typeface="Times New Roman" panose="02020603050405020304" pitchFamily="18" charset="0"/>
+              </a:rPr>
+              <a:t>Latencia y ping: </a:t>
+            </a:r>
+            <a:r>
+              <a:rPr lang="es-MX" sz="1600" dirty="0">
+                <a:effectLst/>
+                <a:latin typeface="Calibri" panose="020F0502020204030204" pitchFamily="34" charset="0"/>
+                <a:ea typeface="Calibri" panose="020F0502020204030204" pitchFamily="34" charset="0"/>
+                <a:cs typeface="Times New Roman" panose="02020603050405020304" pitchFamily="18" charset="0"/>
+              </a:rPr>
+              <a:t>Es el tiempo exacto que tarda un paquete de datos en transmitirse dentro de una red (del dispositivo al servidor o viceversa en este caso). La latencia se mide en pings. </a:t>
+            </a:r>
+            <a:r>
+              <a:rPr lang="es-ES" sz="1600" dirty="0">
+                <a:latin typeface="Calibri" panose="020F0502020204030204" pitchFamily="34" charset="0"/>
+                <a:cs typeface="Times New Roman" panose="02020603050405020304" pitchFamily="18" charset="0"/>
+              </a:rPr>
+              <a:t>Es el tiempo que transcurre desde que tu navegador realiza una solicitud de información y el tiempo que demora en llegar la respuesta solicitada. Mientras menor sea la latencia, mejor será la conexión a internet.</a:t>
+            </a:r>
+            <a:endParaRPr lang="es-MX" sz="1600" dirty="0">
+              <a:latin typeface="Calibri" panose="020F0502020204030204" pitchFamily="34" charset="0"/>
+              <a:cs typeface="Times New Roman" panose="02020603050405020304" pitchFamily="18" charset="0"/>
+            </a:endParaRPr>
+          </a:p>
+          <a:p>
+            <a:pPr>
+              <a:lnSpc>
+                <a:spcPct val="107000"/>
+              </a:lnSpc>
+              <a:spcAft>
+                <a:spcPts val="800"/>
+              </a:spcAft>
+            </a:pPr>
+            <a:r>
+              <a:rPr lang="es-MX" sz="1600" b="1" dirty="0">
+                <a:solidFill>
+                  <a:schemeClr val="accent6">
+                    <a:lumMod val="75000"/>
+                  </a:schemeClr>
+                </a:solidFill>
+                <a:latin typeface="Calibri" panose="020F0502020204030204" pitchFamily="34" charset="0"/>
+                <a:ea typeface="Calibri" panose="020F0502020204030204" pitchFamily="34" charset="0"/>
+                <a:cs typeface="Times New Roman" panose="02020603050405020304" pitchFamily="18" charset="0"/>
+              </a:rPr>
+              <a:t>Ping: </a:t>
+            </a:r>
+            <a:r>
+              <a:rPr lang="es-MX" sz="1600" dirty="0">
+                <a:effectLst/>
+                <a:latin typeface="Calibri" panose="020F0502020204030204" pitchFamily="34" charset="0"/>
+                <a:ea typeface="Calibri" panose="020F0502020204030204" pitchFamily="34" charset="0"/>
+                <a:cs typeface="Times New Roman" panose="02020603050405020304" pitchFamily="18" charset="0"/>
+              </a:rPr>
+              <a:t>Son los milisegundos que tardan en comunicarse entre sí el servidor y el dispositivo. Cuanto menor sea la latencia/ping mejor, ya que menos tardará en conectarse servidor y dispositivo. </a:t>
+            </a:r>
+          </a:p>
+        </p:txBody>
+      </p:sp>
+      <p:pic>
+        <p:nvPicPr>
+          <p:cNvPr id="4" name="Imagen 3" descr="Interfaz de usuario gráfica, Aplicación&#10;&#10;Descripción generada automáticamente">
+            <a:extLst>
+              <a:ext uri="{FF2B5EF4-FFF2-40B4-BE49-F238E27FC236}">
+                <a16:creationId xmlns:a16="http://schemas.microsoft.com/office/drawing/2014/main" id="{A5FA7EB3-4DCB-496B-944D-EEA900EC12B5}"/>
+              </a:ext>
+            </a:extLst>
+          </p:cNvPr>
+          <p:cNvPicPr>
+            <a:picLocks noChangeAspect="1"/>
+          </p:cNvPicPr>
+          <p:nvPr/>
+        </p:nvPicPr>
+        <p:blipFill>
+          <a:blip r:embed="rId3">
+            <a:extLst>
+              <a:ext uri="{28A0092B-C50C-407E-A947-70E740481C1C}">
+                <a14:useLocalDpi xmlns:a14="http://schemas.microsoft.com/office/drawing/2010/main" val="0"/>
+              </a:ext>
+            </a:extLst>
+          </a:blip>
+          <a:stretch>
+            <a:fillRect/>
+          </a:stretch>
+        </p:blipFill>
+        <p:spPr>
+          <a:xfrm>
+            <a:off x="2195736" y="5373216"/>
+            <a:ext cx="6308768" cy="2140007"/>
+          </a:xfrm>
+          <a:prstGeom prst="rect">
+            <a:avLst/>
+          </a:prstGeom>
+        </p:spPr>
+      </p:pic>
+    </p:spTree>
+    <p:extLst>
+      <p:ext uri="{BB962C8B-B14F-4D97-AF65-F5344CB8AC3E}">
+        <p14:creationId xmlns:p14="http://schemas.microsoft.com/office/powerpoint/2010/main" val="470350198"/>
       </p:ext>
     </p:extLst>
   </p:cSld>
@@ -27458,7 +29136,7 @@
           <a:graphicData uri="http://schemas.openxmlformats.org/presentationml/2006/ole">
             <mc:AlternateContent xmlns:mc="http://schemas.openxmlformats.org/markup-compatibility/2006">
               <mc:Choice xmlns:v="urn:schemas-microsoft-com:vml" Requires="v">
-                <p:oleObj spid="_x0000_s28700" name="Imagen" r:id="rId3" imgW="3675063" imgH="1587500" progId="MS_ClipArt_Gallery.2">
+                <p:oleObj spid="_x0000_s28703" name="Imagen" r:id="rId3" imgW="3675063" imgH="1587500" progId="MS_ClipArt_Gallery.2">
                   <p:embed/>
                 </p:oleObj>
               </mc:Choice>
